--- a/files/teaching-resources/monmouthcollege-econ-300/econ-300-lecture-note/ECON300-LEC05.pptx
+++ b/files/teaching-resources/monmouthcollege-econ-300/econ-300-lecture-note/ECON300-LEC05.pptx
@@ -5,7 +5,7 @@
     <p:sldMasterId id="2147483720" r:id="rId1"/>
   </p:sldMasterIdLst>
   <p:notesMasterIdLst>
-    <p:notesMasterId r:id="rId37"/>
+    <p:notesMasterId r:id="rId36"/>
   </p:notesMasterIdLst>
   <p:sldIdLst>
     <p:sldId id="256" r:id="rId2"/>
@@ -19,30 +19,29 @@
     <p:sldId id="351" r:id="rId10"/>
     <p:sldId id="380" r:id="rId11"/>
     <p:sldId id="381" r:id="rId12"/>
-    <p:sldId id="358" r:id="rId13"/>
-    <p:sldId id="360" r:id="rId14"/>
-    <p:sldId id="361" r:id="rId15"/>
-    <p:sldId id="362" r:id="rId16"/>
-    <p:sldId id="364" r:id="rId17"/>
-    <p:sldId id="365" r:id="rId18"/>
-    <p:sldId id="367" r:id="rId19"/>
-    <p:sldId id="366" r:id="rId20"/>
-    <p:sldId id="368" r:id="rId21"/>
-    <p:sldId id="373" r:id="rId22"/>
-    <p:sldId id="346" r:id="rId23"/>
-    <p:sldId id="355" r:id="rId24"/>
-    <p:sldId id="357" r:id="rId25"/>
-    <p:sldId id="347" r:id="rId26"/>
-    <p:sldId id="352" r:id="rId27"/>
-    <p:sldId id="370" r:id="rId28"/>
-    <p:sldId id="348" r:id="rId29"/>
-    <p:sldId id="349" r:id="rId30"/>
-    <p:sldId id="353" r:id="rId31"/>
-    <p:sldId id="354" r:id="rId32"/>
-    <p:sldId id="369" r:id="rId33"/>
-    <p:sldId id="350" r:id="rId34"/>
-    <p:sldId id="371" r:id="rId35"/>
-    <p:sldId id="372" r:id="rId36"/>
+    <p:sldId id="360" r:id="rId13"/>
+    <p:sldId id="361" r:id="rId14"/>
+    <p:sldId id="362" r:id="rId15"/>
+    <p:sldId id="364" r:id="rId16"/>
+    <p:sldId id="365" r:id="rId17"/>
+    <p:sldId id="367" r:id="rId18"/>
+    <p:sldId id="366" r:id="rId19"/>
+    <p:sldId id="368" r:id="rId20"/>
+    <p:sldId id="373" r:id="rId21"/>
+    <p:sldId id="346" r:id="rId22"/>
+    <p:sldId id="355" r:id="rId23"/>
+    <p:sldId id="357" r:id="rId24"/>
+    <p:sldId id="347" r:id="rId25"/>
+    <p:sldId id="352" r:id="rId26"/>
+    <p:sldId id="370" r:id="rId27"/>
+    <p:sldId id="348" r:id="rId28"/>
+    <p:sldId id="349" r:id="rId29"/>
+    <p:sldId id="353" r:id="rId30"/>
+    <p:sldId id="354" r:id="rId31"/>
+    <p:sldId id="369" r:id="rId32"/>
+    <p:sldId id="350" r:id="rId33"/>
+    <p:sldId id="371" r:id="rId34"/>
+    <p:sldId id="372" r:id="rId35"/>
   </p:sldIdLst>
   <p:sldSz cx="9144000" cy="6858000" type="screen4x3"/>
   <p:notesSz cx="6858000" cy="9144000"/>
@@ -231,7 +230,7 @@
           <a:p>
             <a:fld id="{0E0A6441-4E79-42FF-805B-86C90BDFD38D}" type="datetimeFigureOut">
               <a:rPr lang="en-US" smtClean="0"/>
-              <a:t>9/6/2024</a:t>
+              <a:t>9/9/2024</a:t>
             </a:fld>
             <a:endParaRPr lang="en-US" dirty="0"/>
           </a:p>
@@ -6020,219 +6019,6 @@
           <p:cNvPr id="2" name="Title 1">
             <a:extLst>
               <a:ext uri="{FF2B5EF4-FFF2-40B4-BE49-F238E27FC236}">
-                <a16:creationId xmlns:a16="http://schemas.microsoft.com/office/drawing/2014/main" id="{0D8E3986-575B-B929-0562-1561C73A78DE}"/>
-              </a:ext>
-            </a:extLst>
-          </p:cNvPr>
-          <p:cNvSpPr>
-            <a:spLocks noGrp="1"/>
-          </p:cNvSpPr>
-          <p:nvPr>
-            <p:ph type="title"/>
-          </p:nvPr>
-        </p:nvSpPr>
-        <p:spPr/>
-        <p:txBody>
-          <a:bodyPr/>
-          <a:lstStyle/>
-          <a:p>
-            <a:r>
-              <a:rPr lang="en-US" dirty="0"/>
-              <a:t>Review of Previous Lecture</a:t>
-            </a:r>
-          </a:p>
-        </p:txBody>
-      </p:sp>
-      <p:sp>
-        <p:nvSpPr>
-          <p:cNvPr id="3" name="Content Placeholder 2">
-            <a:extLst>
-              <a:ext uri="{FF2B5EF4-FFF2-40B4-BE49-F238E27FC236}">
-                <a16:creationId xmlns:a16="http://schemas.microsoft.com/office/drawing/2014/main" id="{5A717BAA-D4BA-C7EB-5696-203603829C7C}"/>
-              </a:ext>
-            </a:extLst>
-          </p:cNvPr>
-          <p:cNvSpPr>
-            <a:spLocks noGrp="1"/>
-          </p:cNvSpPr>
-          <p:nvPr>
-            <p:ph idx="1"/>
-          </p:nvPr>
-        </p:nvSpPr>
-        <p:spPr/>
-        <p:txBody>
-          <a:bodyPr/>
-          <a:lstStyle/>
-          <a:p>
-            <a:r>
-              <a:rPr lang="en-US" dirty="0"/>
-              <a:t>We were talking about…</a:t>
-            </a:r>
-          </a:p>
-          <a:p>
-            <a:pPr lvl="3"/>
-            <a:endParaRPr lang="en-US" dirty="0"/>
-          </a:p>
-          <a:p>
-            <a:r>
-              <a:rPr lang="en-US" dirty="0"/>
-              <a:t>The subjective rate of exchange between two goods that left the consumer equally satisfied.</a:t>
-            </a:r>
-          </a:p>
-          <a:p>
-            <a:pPr lvl="3"/>
-            <a:endParaRPr lang="en-US" dirty="0"/>
-          </a:p>
-          <a:p>
-            <a:r>
-              <a:rPr lang="en-US" dirty="0"/>
-              <a:t>Covered “slope between bundles A and B”</a:t>
-            </a:r>
-          </a:p>
-          <a:p>
-            <a:pPr lvl="3"/>
-            <a:endParaRPr lang="en-US" dirty="0"/>
-          </a:p>
-          <a:p>
-            <a:r>
-              <a:rPr lang="en-US" dirty="0"/>
-              <a:t>Reached the concept of the “slope at the bundle.”</a:t>
-            </a:r>
-          </a:p>
-          <a:p>
-            <a:pPr lvl="3"/>
-            <a:endParaRPr lang="en-US" dirty="0"/>
-          </a:p>
-          <a:p>
-            <a:r>
-              <a:rPr lang="en-US" dirty="0"/>
-              <a:t>Defined partial derivatives.</a:t>
-            </a:r>
-          </a:p>
-        </p:txBody>
-      </p:sp>
-      <p:sp>
-        <p:nvSpPr>
-          <p:cNvPr id="4" name="Date Placeholder 3">
-            <a:extLst>
-              <a:ext uri="{FF2B5EF4-FFF2-40B4-BE49-F238E27FC236}">
-                <a16:creationId xmlns:a16="http://schemas.microsoft.com/office/drawing/2014/main" id="{B09CFCAE-B4E3-649B-FDB7-488E4E51258C}"/>
-              </a:ext>
-            </a:extLst>
-          </p:cNvPr>
-          <p:cNvSpPr>
-            <a:spLocks noGrp="1"/>
-          </p:cNvSpPr>
-          <p:nvPr>
-            <p:ph type="dt" sz="half" idx="10"/>
-          </p:nvPr>
-        </p:nvSpPr>
-        <p:spPr/>
-        <p:txBody>
-          <a:bodyPr/>
-          <a:lstStyle/>
-          <a:p>
-            <a:r>
-              <a:rPr lang="en-US"/>
-              <a:t>ECON 300</a:t>
-            </a:r>
-            <a:endParaRPr lang="en-US" dirty="0"/>
-          </a:p>
-        </p:txBody>
-      </p:sp>
-      <p:sp>
-        <p:nvSpPr>
-          <p:cNvPr id="5" name="Footer Placeholder 4">
-            <a:extLst>
-              <a:ext uri="{FF2B5EF4-FFF2-40B4-BE49-F238E27FC236}">
-                <a16:creationId xmlns:a16="http://schemas.microsoft.com/office/drawing/2014/main" id="{52AC4525-C5C8-8596-B2EA-0E2C5344302C}"/>
-              </a:ext>
-            </a:extLst>
-          </p:cNvPr>
-          <p:cNvSpPr>
-            <a:spLocks noGrp="1"/>
-          </p:cNvSpPr>
-          <p:nvPr>
-            <p:ph type="ftr" sz="quarter" idx="11"/>
-          </p:nvPr>
-        </p:nvSpPr>
-        <p:spPr/>
-        <p:txBody>
-          <a:bodyPr/>
-          <a:lstStyle/>
-          <a:p>
-            <a:r>
-              <a:rPr lang="en-US"/>
-              <a:t>DEPARTMENT OF BUSINESS &amp; ECONOMICS</a:t>
-            </a:r>
-            <a:endParaRPr lang="en-US" dirty="0"/>
-          </a:p>
-        </p:txBody>
-      </p:sp>
-      <p:sp>
-        <p:nvSpPr>
-          <p:cNvPr id="6" name="Slide Number Placeholder 5">
-            <a:extLst>
-              <a:ext uri="{FF2B5EF4-FFF2-40B4-BE49-F238E27FC236}">
-                <a16:creationId xmlns:a16="http://schemas.microsoft.com/office/drawing/2014/main" id="{1E261E69-6082-7B91-F48A-C4702A4B503E}"/>
-              </a:ext>
-            </a:extLst>
-          </p:cNvPr>
-          <p:cNvSpPr>
-            <a:spLocks noGrp="1"/>
-          </p:cNvSpPr>
-          <p:nvPr>
-            <p:ph type="sldNum" sz="quarter" idx="12"/>
-          </p:nvPr>
-        </p:nvSpPr>
-        <p:spPr/>
-        <p:txBody>
-          <a:bodyPr/>
-          <a:lstStyle/>
-          <a:p>
-            <a:fld id="{1A980C56-831A-4EAB-9EDE-57C090F4F877}" type="slidenum">
-              <a:rPr lang="en-US" smtClean="0"/>
-              <a:t>12</a:t>
-            </a:fld>
-            <a:endParaRPr lang="en-US" dirty="0"/>
-          </a:p>
-        </p:txBody>
-      </p:sp>
-    </p:spTree>
-    <p:extLst>
-      <p:ext uri="{BB962C8B-B14F-4D97-AF65-F5344CB8AC3E}">
-        <p14:creationId xmlns:p14="http://schemas.microsoft.com/office/powerpoint/2010/main" val="27033511"/>
-      </p:ext>
-    </p:extLst>
-  </p:cSld>
-  <p:clrMapOvr>
-    <a:masterClrMapping/>
-  </p:clrMapOvr>
-</p:sld>
-</file>
-
-<file path=ppt/slides/slide13.xml><?xml version="1.0" encoding="utf-8"?>
-<p:sld xmlns:a="http://schemas.openxmlformats.org/drawingml/2006/main" xmlns:r="http://schemas.openxmlformats.org/officeDocument/2006/relationships" xmlns:p="http://schemas.openxmlformats.org/presentationml/2006/main">
-  <p:cSld>
-    <p:spTree>
-      <p:nvGrpSpPr>
-        <p:cNvPr id="1" name=""/>
-        <p:cNvGrpSpPr/>
-        <p:nvPr/>
-      </p:nvGrpSpPr>
-      <p:grpSpPr>
-        <a:xfrm>
-          <a:off x="0" y="0"/>
-          <a:ext cx="0" cy="0"/>
-          <a:chOff x="0" y="0"/>
-          <a:chExt cx="0" cy="0"/>
-        </a:xfrm>
-      </p:grpSpPr>
-      <p:sp>
-        <p:nvSpPr>
-          <p:cNvPr id="2" name="Title 1">
-            <a:extLst>
-              <a:ext uri="{FF2B5EF4-FFF2-40B4-BE49-F238E27FC236}">
                 <a16:creationId xmlns:a16="http://schemas.microsoft.com/office/drawing/2014/main" id="{D8041590-A825-0F0F-ABFF-441A17C3B757}"/>
               </a:ext>
             </a:extLst>
@@ -6480,7 +6266,7 @@
           <a:p>
             <a:fld id="{1A980C56-831A-4EAB-9EDE-57C090F4F877}" type="slidenum">
               <a:rPr lang="en-US" smtClean="0"/>
-              <a:t>13</a:t>
+              <a:t>12</a:t>
             </a:fld>
             <a:endParaRPr lang="en-US" dirty="0"/>
           </a:p>
@@ -6747,7 +6533,7 @@
 </p:sld>
 </file>
 
-<file path=ppt/slides/slide14.xml><?xml version="1.0" encoding="utf-8"?>
+<file path=ppt/slides/slide13.xml><?xml version="1.0" encoding="utf-8"?>
 <p:sld xmlns:a="http://schemas.openxmlformats.org/drawingml/2006/main" xmlns:r="http://schemas.openxmlformats.org/officeDocument/2006/relationships" xmlns:p="http://schemas.openxmlformats.org/presentationml/2006/main">
   <p:cSld>
     <p:spTree>
@@ -6923,7 +6709,7 @@
           <a:p>
             <a:fld id="{1A980C56-831A-4EAB-9EDE-57C090F4F877}" type="slidenum">
               <a:rPr lang="en-US" smtClean="0"/>
-              <a:t>14</a:t>
+              <a:t>13</a:t>
             </a:fld>
             <a:endParaRPr lang="en-US" dirty="0"/>
           </a:p>
@@ -7200,7 +6986,7 @@
 </p:sld>
 </file>
 
-<file path=ppt/slides/slide15.xml><?xml version="1.0" encoding="utf-8"?>
+<file path=ppt/slides/slide14.xml><?xml version="1.0" encoding="utf-8"?>
 <p:sld xmlns:a="http://schemas.openxmlformats.org/drawingml/2006/main" xmlns:r="http://schemas.openxmlformats.org/officeDocument/2006/relationships" xmlns:p="http://schemas.openxmlformats.org/presentationml/2006/main">
   <p:cSld>
     <p:spTree>
@@ -7370,7 +7156,7 @@
           <a:p>
             <a:fld id="{1A980C56-831A-4EAB-9EDE-57C090F4F877}" type="slidenum">
               <a:rPr lang="en-US" smtClean="0"/>
-              <a:t>15</a:t>
+              <a:t>14</a:t>
             </a:fld>
             <a:endParaRPr lang="en-US" dirty="0"/>
           </a:p>
@@ -7604,6 +7390,199 @@
 </p:sld>
 </file>
 
+<file path=ppt/slides/slide15.xml><?xml version="1.0" encoding="utf-8"?>
+<p:sld xmlns:a="http://schemas.openxmlformats.org/drawingml/2006/main" xmlns:r="http://schemas.openxmlformats.org/officeDocument/2006/relationships" xmlns:p="http://schemas.openxmlformats.org/presentationml/2006/main">
+  <p:cSld>
+    <p:spTree>
+      <p:nvGrpSpPr>
+        <p:cNvPr id="1" name=""/>
+        <p:cNvGrpSpPr/>
+        <p:nvPr/>
+      </p:nvGrpSpPr>
+      <p:grpSpPr>
+        <a:xfrm>
+          <a:off x="0" y="0"/>
+          <a:ext cx="0" cy="0"/>
+          <a:chOff x="0" y="0"/>
+          <a:chExt cx="0" cy="0"/>
+        </a:xfrm>
+      </p:grpSpPr>
+      <p:sp>
+        <p:nvSpPr>
+          <p:cNvPr id="2" name="Title 1">
+            <a:extLst>
+              <a:ext uri="{FF2B5EF4-FFF2-40B4-BE49-F238E27FC236}">
+                <a16:creationId xmlns:a16="http://schemas.microsoft.com/office/drawing/2014/main" id="{0D8E3986-575B-B929-0562-1561C73A78DE}"/>
+              </a:ext>
+            </a:extLst>
+          </p:cNvPr>
+          <p:cNvSpPr>
+            <a:spLocks noGrp="1"/>
+          </p:cNvSpPr>
+          <p:nvPr>
+            <p:ph type="title"/>
+          </p:nvPr>
+        </p:nvSpPr>
+        <p:spPr/>
+        <p:txBody>
+          <a:bodyPr/>
+          <a:lstStyle/>
+          <a:p>
+            <a:r>
+              <a:rPr lang="en-US" dirty="0"/>
+              <a:t>The Marginal Rate of Substitution</a:t>
+            </a:r>
+          </a:p>
+        </p:txBody>
+      </p:sp>
+      <p:sp>
+        <p:nvSpPr>
+          <p:cNvPr id="3" name="Content Placeholder 2">
+            <a:extLst>
+              <a:ext uri="{FF2B5EF4-FFF2-40B4-BE49-F238E27FC236}">
+                <a16:creationId xmlns:a16="http://schemas.microsoft.com/office/drawing/2014/main" id="{5A717BAA-D4BA-C7EB-5696-203603829C7C}"/>
+              </a:ext>
+            </a:extLst>
+          </p:cNvPr>
+          <p:cNvSpPr>
+            <a:spLocks noGrp="1"/>
+          </p:cNvSpPr>
+          <p:nvPr>
+            <p:ph idx="1"/>
+          </p:nvPr>
+        </p:nvSpPr>
+        <p:spPr/>
+        <p:txBody>
+          <a:bodyPr/>
+          <a:lstStyle/>
+          <a:p>
+            <a:r>
+              <a:rPr lang="en-US" dirty="0"/>
+              <a:t>Recall that we wanted to find the slope of the indifference curve, which was claimed to be the consumers’ subjective rate of exchange.</a:t>
+            </a:r>
+          </a:p>
+          <a:p>
+            <a:pPr lvl="3"/>
+            <a:endParaRPr lang="en-US" dirty="0"/>
+          </a:p>
+          <a:p>
+            <a:r>
+              <a:rPr lang="en-US" dirty="0"/>
+              <a:t>This lead us down a rabbit hole of partial derivatives and marginal utilities.</a:t>
+            </a:r>
+          </a:p>
+          <a:p>
+            <a:pPr lvl="3"/>
+            <a:endParaRPr lang="en-US" dirty="0"/>
+          </a:p>
+          <a:p>
+            <a:r>
+              <a:rPr lang="en-US" dirty="0"/>
+              <a:t>So how does this relate to the slope of the indifference curve?</a:t>
+            </a:r>
+          </a:p>
+        </p:txBody>
+      </p:sp>
+      <p:sp>
+        <p:nvSpPr>
+          <p:cNvPr id="4" name="Date Placeholder 3">
+            <a:extLst>
+              <a:ext uri="{FF2B5EF4-FFF2-40B4-BE49-F238E27FC236}">
+                <a16:creationId xmlns:a16="http://schemas.microsoft.com/office/drawing/2014/main" id="{B09CFCAE-B4E3-649B-FDB7-488E4E51258C}"/>
+              </a:ext>
+            </a:extLst>
+          </p:cNvPr>
+          <p:cNvSpPr>
+            <a:spLocks noGrp="1"/>
+          </p:cNvSpPr>
+          <p:nvPr>
+            <p:ph type="dt" sz="half" idx="10"/>
+          </p:nvPr>
+        </p:nvSpPr>
+        <p:spPr/>
+        <p:txBody>
+          <a:bodyPr/>
+          <a:lstStyle/>
+          <a:p>
+            <a:r>
+              <a:rPr lang="en-US"/>
+              <a:t>ECON 300</a:t>
+            </a:r>
+            <a:endParaRPr lang="en-US" dirty="0"/>
+          </a:p>
+        </p:txBody>
+      </p:sp>
+      <p:sp>
+        <p:nvSpPr>
+          <p:cNvPr id="5" name="Footer Placeholder 4">
+            <a:extLst>
+              <a:ext uri="{FF2B5EF4-FFF2-40B4-BE49-F238E27FC236}">
+                <a16:creationId xmlns:a16="http://schemas.microsoft.com/office/drawing/2014/main" id="{52AC4525-C5C8-8596-B2EA-0E2C5344302C}"/>
+              </a:ext>
+            </a:extLst>
+          </p:cNvPr>
+          <p:cNvSpPr>
+            <a:spLocks noGrp="1"/>
+          </p:cNvSpPr>
+          <p:nvPr>
+            <p:ph type="ftr" sz="quarter" idx="11"/>
+          </p:nvPr>
+        </p:nvSpPr>
+        <p:spPr/>
+        <p:txBody>
+          <a:bodyPr/>
+          <a:lstStyle/>
+          <a:p>
+            <a:r>
+              <a:rPr lang="en-US"/>
+              <a:t>DEPARTMENT OF BUSINESS &amp; ECONOMICS</a:t>
+            </a:r>
+            <a:endParaRPr lang="en-US" dirty="0"/>
+          </a:p>
+        </p:txBody>
+      </p:sp>
+      <p:sp>
+        <p:nvSpPr>
+          <p:cNvPr id="6" name="Slide Number Placeholder 5">
+            <a:extLst>
+              <a:ext uri="{FF2B5EF4-FFF2-40B4-BE49-F238E27FC236}">
+                <a16:creationId xmlns:a16="http://schemas.microsoft.com/office/drawing/2014/main" id="{1E261E69-6082-7B91-F48A-C4702A4B503E}"/>
+              </a:ext>
+            </a:extLst>
+          </p:cNvPr>
+          <p:cNvSpPr>
+            <a:spLocks noGrp="1"/>
+          </p:cNvSpPr>
+          <p:nvPr>
+            <p:ph type="sldNum" sz="quarter" idx="12"/>
+          </p:nvPr>
+        </p:nvSpPr>
+        <p:spPr/>
+        <p:txBody>
+          <a:bodyPr/>
+          <a:lstStyle/>
+          <a:p>
+            <a:fld id="{1A980C56-831A-4EAB-9EDE-57C090F4F877}" type="slidenum">
+              <a:rPr lang="en-US" smtClean="0"/>
+              <a:t>15</a:t>
+            </a:fld>
+            <a:endParaRPr lang="en-US" dirty="0"/>
+          </a:p>
+        </p:txBody>
+      </p:sp>
+    </p:spTree>
+    <p:extLst>
+      <p:ext uri="{BB962C8B-B14F-4D97-AF65-F5344CB8AC3E}">
+        <p14:creationId xmlns:p14="http://schemas.microsoft.com/office/powerpoint/2010/main" val="4070356399"/>
+      </p:ext>
+    </p:extLst>
+  </p:cSld>
+  <p:clrMapOvr>
+    <a:masterClrMapping/>
+  </p:clrMapOvr>
+</p:sld>
+</file>
+
 <file path=ppt/slides/slide16.xml><?xml version="1.0" encoding="utf-8"?>
 <p:sld xmlns:a="http://schemas.openxmlformats.org/drawingml/2006/main" xmlns:r="http://schemas.openxmlformats.org/officeDocument/2006/relationships" xmlns:p="http://schemas.openxmlformats.org/presentationml/2006/main">
   <p:cSld>
@@ -7626,199 +7605,6 @@
           <p:cNvPr id="2" name="Title 1">
             <a:extLst>
               <a:ext uri="{FF2B5EF4-FFF2-40B4-BE49-F238E27FC236}">
-                <a16:creationId xmlns:a16="http://schemas.microsoft.com/office/drawing/2014/main" id="{0D8E3986-575B-B929-0562-1561C73A78DE}"/>
-              </a:ext>
-            </a:extLst>
-          </p:cNvPr>
-          <p:cNvSpPr>
-            <a:spLocks noGrp="1"/>
-          </p:cNvSpPr>
-          <p:nvPr>
-            <p:ph type="title"/>
-          </p:nvPr>
-        </p:nvSpPr>
-        <p:spPr/>
-        <p:txBody>
-          <a:bodyPr/>
-          <a:lstStyle/>
-          <a:p>
-            <a:r>
-              <a:rPr lang="en-US" dirty="0"/>
-              <a:t>The Marginal Rate of Substitution</a:t>
-            </a:r>
-          </a:p>
-        </p:txBody>
-      </p:sp>
-      <p:sp>
-        <p:nvSpPr>
-          <p:cNvPr id="3" name="Content Placeholder 2">
-            <a:extLst>
-              <a:ext uri="{FF2B5EF4-FFF2-40B4-BE49-F238E27FC236}">
-                <a16:creationId xmlns:a16="http://schemas.microsoft.com/office/drawing/2014/main" id="{5A717BAA-D4BA-C7EB-5696-203603829C7C}"/>
-              </a:ext>
-            </a:extLst>
-          </p:cNvPr>
-          <p:cNvSpPr>
-            <a:spLocks noGrp="1"/>
-          </p:cNvSpPr>
-          <p:nvPr>
-            <p:ph idx="1"/>
-          </p:nvPr>
-        </p:nvSpPr>
-        <p:spPr/>
-        <p:txBody>
-          <a:bodyPr/>
-          <a:lstStyle/>
-          <a:p>
-            <a:r>
-              <a:rPr lang="en-US" dirty="0"/>
-              <a:t>Recall that we wanted to find the slope of the indifference curve, which was claimed to be the consumers’ subjective rate of exchange.</a:t>
-            </a:r>
-          </a:p>
-          <a:p>
-            <a:pPr lvl="3"/>
-            <a:endParaRPr lang="en-US" dirty="0"/>
-          </a:p>
-          <a:p>
-            <a:r>
-              <a:rPr lang="en-US" dirty="0"/>
-              <a:t>This lead us down a rabbit hole of partial derivatives and marginal utilities.</a:t>
-            </a:r>
-          </a:p>
-          <a:p>
-            <a:pPr lvl="3"/>
-            <a:endParaRPr lang="en-US" dirty="0"/>
-          </a:p>
-          <a:p>
-            <a:r>
-              <a:rPr lang="en-US" dirty="0"/>
-              <a:t>So how does this relate to the slope of the indifference curve?</a:t>
-            </a:r>
-          </a:p>
-        </p:txBody>
-      </p:sp>
-      <p:sp>
-        <p:nvSpPr>
-          <p:cNvPr id="4" name="Date Placeholder 3">
-            <a:extLst>
-              <a:ext uri="{FF2B5EF4-FFF2-40B4-BE49-F238E27FC236}">
-                <a16:creationId xmlns:a16="http://schemas.microsoft.com/office/drawing/2014/main" id="{B09CFCAE-B4E3-649B-FDB7-488E4E51258C}"/>
-              </a:ext>
-            </a:extLst>
-          </p:cNvPr>
-          <p:cNvSpPr>
-            <a:spLocks noGrp="1"/>
-          </p:cNvSpPr>
-          <p:nvPr>
-            <p:ph type="dt" sz="half" idx="10"/>
-          </p:nvPr>
-        </p:nvSpPr>
-        <p:spPr/>
-        <p:txBody>
-          <a:bodyPr/>
-          <a:lstStyle/>
-          <a:p>
-            <a:r>
-              <a:rPr lang="en-US"/>
-              <a:t>ECON 300</a:t>
-            </a:r>
-            <a:endParaRPr lang="en-US" dirty="0"/>
-          </a:p>
-        </p:txBody>
-      </p:sp>
-      <p:sp>
-        <p:nvSpPr>
-          <p:cNvPr id="5" name="Footer Placeholder 4">
-            <a:extLst>
-              <a:ext uri="{FF2B5EF4-FFF2-40B4-BE49-F238E27FC236}">
-                <a16:creationId xmlns:a16="http://schemas.microsoft.com/office/drawing/2014/main" id="{52AC4525-C5C8-8596-B2EA-0E2C5344302C}"/>
-              </a:ext>
-            </a:extLst>
-          </p:cNvPr>
-          <p:cNvSpPr>
-            <a:spLocks noGrp="1"/>
-          </p:cNvSpPr>
-          <p:nvPr>
-            <p:ph type="ftr" sz="quarter" idx="11"/>
-          </p:nvPr>
-        </p:nvSpPr>
-        <p:spPr/>
-        <p:txBody>
-          <a:bodyPr/>
-          <a:lstStyle/>
-          <a:p>
-            <a:r>
-              <a:rPr lang="en-US"/>
-              <a:t>DEPARTMENT OF BUSINESS &amp; ECONOMICS</a:t>
-            </a:r>
-            <a:endParaRPr lang="en-US" dirty="0"/>
-          </a:p>
-        </p:txBody>
-      </p:sp>
-      <p:sp>
-        <p:nvSpPr>
-          <p:cNvPr id="6" name="Slide Number Placeholder 5">
-            <a:extLst>
-              <a:ext uri="{FF2B5EF4-FFF2-40B4-BE49-F238E27FC236}">
-                <a16:creationId xmlns:a16="http://schemas.microsoft.com/office/drawing/2014/main" id="{1E261E69-6082-7B91-F48A-C4702A4B503E}"/>
-              </a:ext>
-            </a:extLst>
-          </p:cNvPr>
-          <p:cNvSpPr>
-            <a:spLocks noGrp="1"/>
-          </p:cNvSpPr>
-          <p:nvPr>
-            <p:ph type="sldNum" sz="quarter" idx="12"/>
-          </p:nvPr>
-        </p:nvSpPr>
-        <p:spPr/>
-        <p:txBody>
-          <a:bodyPr/>
-          <a:lstStyle/>
-          <a:p>
-            <a:fld id="{1A980C56-831A-4EAB-9EDE-57C090F4F877}" type="slidenum">
-              <a:rPr lang="en-US" smtClean="0"/>
-              <a:t>16</a:t>
-            </a:fld>
-            <a:endParaRPr lang="en-US" dirty="0"/>
-          </a:p>
-        </p:txBody>
-      </p:sp>
-    </p:spTree>
-    <p:extLst>
-      <p:ext uri="{BB962C8B-B14F-4D97-AF65-F5344CB8AC3E}">
-        <p14:creationId xmlns:p14="http://schemas.microsoft.com/office/powerpoint/2010/main" val="4070356399"/>
-      </p:ext>
-    </p:extLst>
-  </p:cSld>
-  <p:clrMapOvr>
-    <a:masterClrMapping/>
-  </p:clrMapOvr>
-</p:sld>
-</file>
-
-<file path=ppt/slides/slide17.xml><?xml version="1.0" encoding="utf-8"?>
-<p:sld xmlns:a="http://schemas.openxmlformats.org/drawingml/2006/main" xmlns:r="http://schemas.openxmlformats.org/officeDocument/2006/relationships" xmlns:p="http://schemas.openxmlformats.org/presentationml/2006/main">
-  <p:cSld>
-    <p:spTree>
-      <p:nvGrpSpPr>
-        <p:cNvPr id="1" name=""/>
-        <p:cNvGrpSpPr/>
-        <p:nvPr/>
-      </p:nvGrpSpPr>
-      <p:grpSpPr>
-        <a:xfrm>
-          <a:off x="0" y="0"/>
-          <a:ext cx="0" cy="0"/>
-          <a:chOff x="0" y="0"/>
-          <a:chExt cx="0" cy="0"/>
-        </a:xfrm>
-      </p:grpSpPr>
-      <p:sp>
-        <p:nvSpPr>
-          <p:cNvPr id="2" name="Title 1">
-            <a:extLst>
-              <a:ext uri="{FF2B5EF4-FFF2-40B4-BE49-F238E27FC236}">
                 <a16:creationId xmlns:a16="http://schemas.microsoft.com/office/drawing/2014/main" id="{110833B9-5854-C0CF-8435-E2D6577CB168}"/>
               </a:ext>
             </a:extLst>
@@ -7973,7 +7759,7 @@
           <a:p>
             <a:fld id="{1A980C56-831A-4EAB-9EDE-57C090F4F877}" type="slidenum">
               <a:rPr lang="en-US" smtClean="0"/>
-              <a:t>17</a:t>
+              <a:t>16</a:t>
             </a:fld>
             <a:endParaRPr lang="en-US" dirty="0"/>
           </a:p>
@@ -8321,7 +8107,7 @@
 </p:sld>
 </file>
 
-<file path=ppt/slides/slide18.xml><?xml version="1.0" encoding="utf-8"?>
+<file path=ppt/slides/slide17.xml><?xml version="1.0" encoding="utf-8"?>
 <p:sld xmlns:a="http://schemas.openxmlformats.org/drawingml/2006/main" xmlns:r="http://schemas.openxmlformats.org/officeDocument/2006/relationships" xmlns:p="http://schemas.openxmlformats.org/presentationml/2006/main">
   <p:cSld>
     <p:spTree>
@@ -9035,7 +8821,7 @@
           <a:p>
             <a:fld id="{1A980C56-831A-4EAB-9EDE-57C090F4F877}" type="slidenum">
               <a:rPr lang="en-US" smtClean="0"/>
-              <a:t>18</a:t>
+              <a:t>17</a:t>
             </a:fld>
             <a:endParaRPr lang="en-US" dirty="0"/>
           </a:p>
@@ -9054,7 +8840,7 @@
 </p:sld>
 </file>
 
-<file path=ppt/slides/slide19.xml><?xml version="1.0" encoding="utf-8"?>
+<file path=ppt/slides/slide18.xml><?xml version="1.0" encoding="utf-8"?>
 <p:sld xmlns:a="http://schemas.openxmlformats.org/drawingml/2006/main" xmlns:r="http://schemas.openxmlformats.org/officeDocument/2006/relationships" xmlns:p="http://schemas.openxmlformats.org/presentationml/2006/main">
   <p:cSld>
     <p:spTree>
@@ -9180,7 +8966,7 @@
           <a:p>
             <a:fld id="{1A980C56-831A-4EAB-9EDE-57C090F4F877}" type="slidenum">
               <a:rPr lang="en-US" smtClean="0"/>
-              <a:t>19</a:t>
+              <a:t>18</a:t>
             </a:fld>
             <a:endParaRPr lang="en-US" dirty="0"/>
           </a:p>
@@ -9774,7 +9560,7 @@
 </p:sld>
 </file>
 
-<file path=ppt/slides/slide2.xml><?xml version="1.0" encoding="utf-8"?>
+<file path=ppt/slides/slide19.xml><?xml version="1.0" encoding="utf-8"?>
 <p:sld xmlns:a="http://schemas.openxmlformats.org/drawingml/2006/main" xmlns:r="http://schemas.openxmlformats.org/officeDocument/2006/relationships" xmlns:p="http://schemas.openxmlformats.org/presentationml/2006/main">
   <p:cSld>
     <p:spTree>
@@ -9796,7 +9582,7 @@
           <p:cNvPr id="2" name="Title 1">
             <a:extLst>
               <a:ext uri="{FF2B5EF4-FFF2-40B4-BE49-F238E27FC236}">
-                <a16:creationId xmlns:a16="http://schemas.microsoft.com/office/drawing/2014/main" id="{5315E082-0371-D5B3-BAD4-82FB43A07236}"/>
+                <a16:creationId xmlns:a16="http://schemas.microsoft.com/office/drawing/2014/main" id="{110833B9-5854-C0CF-8435-E2D6577CB168}"/>
               </a:ext>
             </a:extLst>
           </p:cNvPr>
@@ -9814,213 +9600,17 @@
           <a:p>
             <a:r>
               <a:rPr lang="en-US" dirty="0"/>
-              <a:t>Slopes and their Meanings</a:t>
+              <a:t>The Marginal Rate of Substitution</a:t>
             </a:r>
           </a:p>
         </p:txBody>
       </p:sp>
-      <mc:AlternateContent xmlns:mc="http://schemas.openxmlformats.org/markup-compatibility/2006" xmlns:a14="http://schemas.microsoft.com/office/drawing/2010/main">
-        <mc:Choice Requires="a14">
-          <p:sp>
-            <p:nvSpPr>
-              <p:cNvPr id="3" name="Content Placeholder 2">
-                <a:extLst>
-                  <a:ext uri="{FF2B5EF4-FFF2-40B4-BE49-F238E27FC236}">
-                    <a16:creationId xmlns:a16="http://schemas.microsoft.com/office/drawing/2014/main" id="{D72EFE27-3804-7B51-E952-F802403C99BD}"/>
-                  </a:ext>
-                </a:extLst>
-              </p:cNvPr>
-              <p:cNvSpPr>
-                <a:spLocks noGrp="1"/>
-              </p:cNvSpPr>
-              <p:nvPr>
-                <p:ph idx="1"/>
-              </p:nvPr>
-            </p:nvSpPr>
-            <p:spPr/>
-            <p:txBody>
-              <a:bodyPr>
-                <a:normAutofit/>
-              </a:bodyPr>
-              <a:lstStyle/>
-              <a:p>
-                <a:r>
-                  <a:rPr lang="en-US" dirty="0"/>
-                  <a:t>Recall that the </a:t>
-                </a:r>
-                <a:r>
-                  <a:rPr lang="en-US" b="1" u="sng" dirty="0"/>
-                  <a:t>slope of the budget line represents the objective rate of exchange</a:t>
-                </a:r>
-                <a:r>
-                  <a:rPr lang="en-US" dirty="0"/>
-                  <a:t> determined by the market.</a:t>
-                </a:r>
-              </a:p>
-              <a:p>
-                <a:pPr lvl="3"/>
-                <a:endParaRPr lang="en-US" dirty="0"/>
-              </a:p>
-              <a:p>
-                <a:r>
-                  <a:rPr lang="en-US" dirty="0"/>
-                  <a:t>This was made clear when we calculated the slope of the budget line, </a:t>
-                </a:r>
-                <a14:m>
-                  <m:oMath xmlns:m="http://schemas.openxmlformats.org/officeDocument/2006/math">
-                    <m:r>
-                      <a:rPr lang="en-US" b="0" i="1" smtClean="0">
-                        <a:latin typeface="Cambria Math" panose="02040503050406030204" pitchFamily="18" charset="0"/>
-                      </a:rPr>
-                      <m:t>−</m:t>
-                    </m:r>
-                    <m:f>
-                      <m:fPr>
-                        <m:ctrlPr>
-                          <a:rPr lang="en-US" b="0" i="1" smtClean="0">
-                            <a:latin typeface="Cambria Math" panose="02040503050406030204" pitchFamily="18" charset="0"/>
-                          </a:rPr>
-                        </m:ctrlPr>
-                      </m:fPr>
-                      <m:num>
-                        <m:sSub>
-                          <m:sSubPr>
-                            <m:ctrlPr>
-                              <a:rPr lang="en-US" b="0" i="1" smtClean="0">
-                                <a:latin typeface="Cambria Math" panose="02040503050406030204" pitchFamily="18" charset="0"/>
-                              </a:rPr>
-                            </m:ctrlPr>
-                          </m:sSubPr>
-                          <m:e>
-                            <m:r>
-                              <a:rPr lang="en-US" b="0" i="1" smtClean="0">
-                                <a:latin typeface="Cambria Math" panose="02040503050406030204" pitchFamily="18" charset="0"/>
-                              </a:rPr>
-                              <m:t>𝑃</m:t>
-                            </m:r>
-                          </m:e>
-                          <m:sub>
-                            <m:r>
-                              <a:rPr lang="en-US" b="0" i="1" smtClean="0">
-                                <a:latin typeface="Cambria Math" panose="02040503050406030204" pitchFamily="18" charset="0"/>
-                              </a:rPr>
-                              <m:t>𝑥</m:t>
-                            </m:r>
-                          </m:sub>
-                        </m:sSub>
-                      </m:num>
-                      <m:den>
-                        <m:sSub>
-                          <m:sSubPr>
-                            <m:ctrlPr>
-                              <a:rPr lang="en-US" b="0" i="1" smtClean="0">
-                                <a:latin typeface="Cambria Math" panose="02040503050406030204" pitchFamily="18" charset="0"/>
-                              </a:rPr>
-                            </m:ctrlPr>
-                          </m:sSubPr>
-                          <m:e>
-                            <m:r>
-                              <a:rPr lang="en-US" b="0" i="1" smtClean="0">
-                                <a:latin typeface="Cambria Math" panose="02040503050406030204" pitchFamily="18" charset="0"/>
-                              </a:rPr>
-                              <m:t>𝑃</m:t>
-                            </m:r>
-                          </m:e>
-                          <m:sub>
-                            <m:r>
-                              <a:rPr lang="en-US" b="0" i="1" smtClean="0">
-                                <a:latin typeface="Cambria Math" panose="02040503050406030204" pitchFamily="18" charset="0"/>
-                              </a:rPr>
-                              <m:t>𝑦</m:t>
-                            </m:r>
-                          </m:sub>
-                        </m:sSub>
-                      </m:den>
-                    </m:f>
-                  </m:oMath>
-                </a14:m>
-                <a:r>
-                  <a:rPr lang="en-US" dirty="0"/>
-                  <a:t>, the relative price of the two goods.</a:t>
-                </a:r>
-              </a:p>
-              <a:p>
-                <a:pPr lvl="3"/>
-                <a:endParaRPr lang="en-US" dirty="0"/>
-              </a:p>
-              <a:p>
-                <a:r>
-                  <a:rPr lang="en-US" dirty="0"/>
-                  <a:t>The </a:t>
-                </a:r>
-                <a:r>
-                  <a:rPr lang="en-US" b="1" u="sng" dirty="0"/>
-                  <a:t>slope of the indifference curve represents the subjective exchange rate</a:t>
-                </a:r>
-                <a:r>
-                  <a:rPr lang="en-US" dirty="0"/>
-                  <a:t> determined by the consumers’ preferences.</a:t>
-                </a:r>
-              </a:p>
-              <a:p>
-                <a:pPr lvl="3"/>
-                <a:endParaRPr lang="en-US" dirty="0"/>
-              </a:p>
-              <a:p>
-                <a:r>
-                  <a:rPr lang="en-US" dirty="0"/>
-                  <a:t>We will now start investigating why this is true.</a:t>
-                </a:r>
-              </a:p>
-            </p:txBody>
-          </p:sp>
-        </mc:Choice>
-        <mc:Fallback xmlns="">
-          <p:sp>
-            <p:nvSpPr>
-              <p:cNvPr id="3" name="Content Placeholder 2">
-                <a:extLst>
-                  <a:ext uri="{FF2B5EF4-FFF2-40B4-BE49-F238E27FC236}">
-                    <a16:creationId xmlns:a16="http://schemas.microsoft.com/office/drawing/2014/main" id="{D72EFE27-3804-7B51-E952-F802403C99BD}"/>
-                  </a:ext>
-                </a:extLst>
-              </p:cNvPr>
-              <p:cNvSpPr>
-                <a:spLocks noGrp="1" noRot="1" noChangeAspect="1" noMove="1" noResize="1" noEditPoints="1" noAdjustHandles="1" noChangeArrowheads="1" noChangeShapeType="1" noTextEdit="1"/>
-              </p:cNvSpPr>
-              <p:nvPr>
-                <p:ph idx="1"/>
-              </p:nvPr>
-            </p:nvSpPr>
-            <p:spPr>
-              <a:blipFill>
-                <a:blip r:embed="rId2"/>
-                <a:stretch>
-                  <a:fillRect l="-1005" t="-1821"/>
-                </a:stretch>
-              </a:blipFill>
-            </p:spPr>
-            <p:txBody>
-              <a:bodyPr/>
-              <a:lstStyle/>
-              <a:p>
-                <a:r>
-                  <a:rPr lang="en-US">
-                    <a:noFill/>
-                  </a:rPr>
-                  <a:t> </a:t>
-                </a:r>
-              </a:p>
-            </p:txBody>
-          </p:sp>
-        </mc:Fallback>
-      </mc:AlternateContent>
       <p:sp>
         <p:nvSpPr>
-          <p:cNvPr id="4" name="Date Placeholder 3">
+          <p:cNvPr id="5" name="Date Placeholder 4">
             <a:extLst>
               <a:ext uri="{FF2B5EF4-FFF2-40B4-BE49-F238E27FC236}">
-                <a16:creationId xmlns:a16="http://schemas.microsoft.com/office/drawing/2014/main" id="{036774B6-1CA5-F4C1-B757-676D8D2CCD94}"/>
+                <a16:creationId xmlns:a16="http://schemas.microsoft.com/office/drawing/2014/main" id="{5C60A244-AB73-1CF1-8A88-5CBB7DEBC66B}"/>
               </a:ext>
             </a:extLst>
           </p:cNvPr>
@@ -10046,10 +9636,10 @@
       </p:sp>
       <p:sp>
         <p:nvSpPr>
-          <p:cNvPr id="5" name="Footer Placeholder 4">
+          <p:cNvPr id="6" name="Footer Placeholder 5">
             <a:extLst>
               <a:ext uri="{FF2B5EF4-FFF2-40B4-BE49-F238E27FC236}">
-                <a16:creationId xmlns:a16="http://schemas.microsoft.com/office/drawing/2014/main" id="{33EF320D-3C82-0EC9-9223-79E43DE5A3DD}"/>
+                <a16:creationId xmlns:a16="http://schemas.microsoft.com/office/drawing/2014/main" id="{E386A72B-621D-9309-4686-68C6DB393440}"/>
               </a:ext>
             </a:extLst>
           </p:cNvPr>
@@ -10066,18 +9656,19 @@
           <a:lstStyle/>
           <a:p>
             <a:r>
-              <a:rPr lang="en-US" dirty="0"/>
+              <a:rPr lang="en-US"/>
               <a:t>DEPARTMENT OF BUSINESS &amp; ECONOMICS</a:t>
             </a:r>
+            <a:endParaRPr lang="en-US" dirty="0"/>
           </a:p>
         </p:txBody>
       </p:sp>
       <p:sp>
         <p:nvSpPr>
-          <p:cNvPr id="6" name="Slide Number Placeholder 5">
+          <p:cNvPr id="7" name="Slide Number Placeholder 6">
             <a:extLst>
               <a:ext uri="{FF2B5EF4-FFF2-40B4-BE49-F238E27FC236}">
-                <a16:creationId xmlns:a16="http://schemas.microsoft.com/office/drawing/2014/main" id="{86FF51B8-64D6-8DBB-E4B6-37E97E996638}"/>
+                <a16:creationId xmlns:a16="http://schemas.microsoft.com/office/drawing/2014/main" id="{22E6E688-9233-F292-20E1-3188F9395793}"/>
               </a:ext>
             </a:extLst>
           </p:cNvPr>
@@ -10095,152 +9686,7 @@
           <a:p>
             <a:fld id="{1A980C56-831A-4EAB-9EDE-57C090F4F877}" type="slidenum">
               <a:rPr lang="en-US" smtClean="0"/>
-              <a:t>2</a:t>
-            </a:fld>
-            <a:endParaRPr lang="en-US" dirty="0"/>
-          </a:p>
-        </p:txBody>
-      </p:sp>
-    </p:spTree>
-    <p:extLst>
-      <p:ext uri="{BB962C8B-B14F-4D97-AF65-F5344CB8AC3E}">
-        <p14:creationId xmlns:p14="http://schemas.microsoft.com/office/powerpoint/2010/main" val="2998091205"/>
-      </p:ext>
-    </p:extLst>
-  </p:cSld>
-  <p:clrMapOvr>
-    <a:masterClrMapping/>
-  </p:clrMapOvr>
-</p:sld>
-</file>
-
-<file path=ppt/slides/slide20.xml><?xml version="1.0" encoding="utf-8"?>
-<p:sld xmlns:a="http://schemas.openxmlformats.org/drawingml/2006/main" xmlns:r="http://schemas.openxmlformats.org/officeDocument/2006/relationships" xmlns:p="http://schemas.openxmlformats.org/presentationml/2006/main">
-  <p:cSld>
-    <p:spTree>
-      <p:nvGrpSpPr>
-        <p:cNvPr id="1" name=""/>
-        <p:cNvGrpSpPr/>
-        <p:nvPr/>
-      </p:nvGrpSpPr>
-      <p:grpSpPr>
-        <a:xfrm>
-          <a:off x="0" y="0"/>
-          <a:ext cx="0" cy="0"/>
-          <a:chOff x="0" y="0"/>
-          <a:chExt cx="0" cy="0"/>
-        </a:xfrm>
-      </p:grpSpPr>
-      <p:sp>
-        <p:nvSpPr>
-          <p:cNvPr id="2" name="Title 1">
-            <a:extLst>
-              <a:ext uri="{FF2B5EF4-FFF2-40B4-BE49-F238E27FC236}">
-                <a16:creationId xmlns:a16="http://schemas.microsoft.com/office/drawing/2014/main" id="{110833B9-5854-C0CF-8435-E2D6577CB168}"/>
-              </a:ext>
-            </a:extLst>
-          </p:cNvPr>
-          <p:cNvSpPr>
-            <a:spLocks noGrp="1"/>
-          </p:cNvSpPr>
-          <p:nvPr>
-            <p:ph type="title"/>
-          </p:nvPr>
-        </p:nvSpPr>
-        <p:spPr/>
-        <p:txBody>
-          <a:bodyPr/>
-          <a:lstStyle/>
-          <a:p>
-            <a:r>
-              <a:rPr lang="en-US" dirty="0"/>
-              <a:t>The Marginal Rate of Substitution</a:t>
-            </a:r>
-          </a:p>
-        </p:txBody>
-      </p:sp>
-      <p:sp>
-        <p:nvSpPr>
-          <p:cNvPr id="5" name="Date Placeholder 4">
-            <a:extLst>
-              <a:ext uri="{FF2B5EF4-FFF2-40B4-BE49-F238E27FC236}">
-                <a16:creationId xmlns:a16="http://schemas.microsoft.com/office/drawing/2014/main" id="{5C60A244-AB73-1CF1-8A88-5CBB7DEBC66B}"/>
-              </a:ext>
-            </a:extLst>
-          </p:cNvPr>
-          <p:cNvSpPr>
-            <a:spLocks noGrp="1"/>
-          </p:cNvSpPr>
-          <p:nvPr>
-            <p:ph type="dt" sz="half" idx="10"/>
-          </p:nvPr>
-        </p:nvSpPr>
-        <p:spPr/>
-        <p:txBody>
-          <a:bodyPr/>
-          <a:lstStyle/>
-          <a:p>
-            <a:r>
-              <a:rPr lang="en-US"/>
-              <a:t>ECON 300</a:t>
-            </a:r>
-            <a:endParaRPr lang="en-US" dirty="0"/>
-          </a:p>
-        </p:txBody>
-      </p:sp>
-      <p:sp>
-        <p:nvSpPr>
-          <p:cNvPr id="6" name="Footer Placeholder 5">
-            <a:extLst>
-              <a:ext uri="{FF2B5EF4-FFF2-40B4-BE49-F238E27FC236}">
-                <a16:creationId xmlns:a16="http://schemas.microsoft.com/office/drawing/2014/main" id="{E386A72B-621D-9309-4686-68C6DB393440}"/>
-              </a:ext>
-            </a:extLst>
-          </p:cNvPr>
-          <p:cNvSpPr>
-            <a:spLocks noGrp="1"/>
-          </p:cNvSpPr>
-          <p:nvPr>
-            <p:ph type="ftr" sz="quarter" idx="11"/>
-          </p:nvPr>
-        </p:nvSpPr>
-        <p:spPr/>
-        <p:txBody>
-          <a:bodyPr/>
-          <a:lstStyle/>
-          <a:p>
-            <a:r>
-              <a:rPr lang="en-US"/>
-              <a:t>DEPARTMENT OF BUSINESS &amp; ECONOMICS</a:t>
-            </a:r>
-            <a:endParaRPr lang="en-US" dirty="0"/>
-          </a:p>
-        </p:txBody>
-      </p:sp>
-      <p:sp>
-        <p:nvSpPr>
-          <p:cNvPr id="7" name="Slide Number Placeholder 6">
-            <a:extLst>
-              <a:ext uri="{FF2B5EF4-FFF2-40B4-BE49-F238E27FC236}">
-                <a16:creationId xmlns:a16="http://schemas.microsoft.com/office/drawing/2014/main" id="{22E6E688-9233-F292-20E1-3188F9395793}"/>
-              </a:ext>
-            </a:extLst>
-          </p:cNvPr>
-          <p:cNvSpPr>
-            <a:spLocks noGrp="1"/>
-          </p:cNvSpPr>
-          <p:nvPr>
-            <p:ph type="sldNum" sz="quarter" idx="12"/>
-          </p:nvPr>
-        </p:nvSpPr>
-        <p:spPr/>
-        <p:txBody>
-          <a:bodyPr/>
-          <a:lstStyle/>
-          <a:p>
-            <a:fld id="{1A980C56-831A-4EAB-9EDE-57C090F4F877}" type="slidenum">
-              <a:rPr lang="en-US" smtClean="0"/>
-              <a:t>20</a:t>
+              <a:t>19</a:t>
             </a:fld>
             <a:endParaRPr lang="en-US" dirty="0"/>
           </a:p>
@@ -10955,7 +10401,347 @@
 </p:sld>
 </file>
 
-<file path=ppt/slides/slide21.xml><?xml version="1.0" encoding="utf-8"?>
+<file path=ppt/slides/slide2.xml><?xml version="1.0" encoding="utf-8"?>
+<p:sld xmlns:a="http://schemas.openxmlformats.org/drawingml/2006/main" xmlns:r="http://schemas.openxmlformats.org/officeDocument/2006/relationships" xmlns:p="http://schemas.openxmlformats.org/presentationml/2006/main">
+  <p:cSld>
+    <p:spTree>
+      <p:nvGrpSpPr>
+        <p:cNvPr id="1" name=""/>
+        <p:cNvGrpSpPr/>
+        <p:nvPr/>
+      </p:nvGrpSpPr>
+      <p:grpSpPr>
+        <a:xfrm>
+          <a:off x="0" y="0"/>
+          <a:ext cx="0" cy="0"/>
+          <a:chOff x="0" y="0"/>
+          <a:chExt cx="0" cy="0"/>
+        </a:xfrm>
+      </p:grpSpPr>
+      <p:sp>
+        <p:nvSpPr>
+          <p:cNvPr id="2" name="Title 1">
+            <a:extLst>
+              <a:ext uri="{FF2B5EF4-FFF2-40B4-BE49-F238E27FC236}">
+                <a16:creationId xmlns:a16="http://schemas.microsoft.com/office/drawing/2014/main" id="{5315E082-0371-D5B3-BAD4-82FB43A07236}"/>
+              </a:ext>
+            </a:extLst>
+          </p:cNvPr>
+          <p:cNvSpPr>
+            <a:spLocks noGrp="1"/>
+          </p:cNvSpPr>
+          <p:nvPr>
+            <p:ph type="title"/>
+          </p:nvPr>
+        </p:nvSpPr>
+        <p:spPr/>
+        <p:txBody>
+          <a:bodyPr/>
+          <a:lstStyle/>
+          <a:p>
+            <a:r>
+              <a:rPr lang="en-US" dirty="0"/>
+              <a:t>Slopes and their Meanings</a:t>
+            </a:r>
+          </a:p>
+        </p:txBody>
+      </p:sp>
+      <mc:AlternateContent xmlns:mc="http://schemas.openxmlformats.org/markup-compatibility/2006" xmlns:a14="http://schemas.microsoft.com/office/drawing/2010/main">
+        <mc:Choice Requires="a14">
+          <p:sp>
+            <p:nvSpPr>
+              <p:cNvPr id="3" name="Content Placeholder 2">
+                <a:extLst>
+                  <a:ext uri="{FF2B5EF4-FFF2-40B4-BE49-F238E27FC236}">
+                    <a16:creationId xmlns:a16="http://schemas.microsoft.com/office/drawing/2014/main" id="{D72EFE27-3804-7B51-E952-F802403C99BD}"/>
+                  </a:ext>
+                </a:extLst>
+              </p:cNvPr>
+              <p:cNvSpPr>
+                <a:spLocks noGrp="1"/>
+              </p:cNvSpPr>
+              <p:nvPr>
+                <p:ph idx="1"/>
+              </p:nvPr>
+            </p:nvSpPr>
+            <p:spPr/>
+            <p:txBody>
+              <a:bodyPr>
+                <a:normAutofit/>
+              </a:bodyPr>
+              <a:lstStyle/>
+              <a:p>
+                <a:r>
+                  <a:rPr lang="en-US" dirty="0"/>
+                  <a:t>Recall that the </a:t>
+                </a:r>
+                <a:r>
+                  <a:rPr lang="en-US" b="1" u="sng" dirty="0"/>
+                  <a:t>slope of the budget line represents the objective rate of exchange</a:t>
+                </a:r>
+                <a:r>
+                  <a:rPr lang="en-US" dirty="0"/>
+                  <a:t> determined by the market.</a:t>
+                </a:r>
+              </a:p>
+              <a:p>
+                <a:pPr lvl="3"/>
+                <a:endParaRPr lang="en-US" dirty="0"/>
+              </a:p>
+              <a:p>
+                <a:r>
+                  <a:rPr lang="en-US" dirty="0"/>
+                  <a:t>This was made clear when we calculated the slope of the budget line, </a:t>
+                </a:r>
+                <a14:m>
+                  <m:oMath xmlns:m="http://schemas.openxmlformats.org/officeDocument/2006/math">
+                    <m:r>
+                      <a:rPr lang="en-US" b="0" i="1" smtClean="0">
+                        <a:latin typeface="Cambria Math" panose="02040503050406030204" pitchFamily="18" charset="0"/>
+                      </a:rPr>
+                      <m:t>−</m:t>
+                    </m:r>
+                    <m:f>
+                      <m:fPr>
+                        <m:ctrlPr>
+                          <a:rPr lang="en-US" b="0" i="1" smtClean="0">
+                            <a:latin typeface="Cambria Math" panose="02040503050406030204" pitchFamily="18" charset="0"/>
+                          </a:rPr>
+                        </m:ctrlPr>
+                      </m:fPr>
+                      <m:num>
+                        <m:sSub>
+                          <m:sSubPr>
+                            <m:ctrlPr>
+                              <a:rPr lang="en-US" b="0" i="1" smtClean="0">
+                                <a:latin typeface="Cambria Math" panose="02040503050406030204" pitchFamily="18" charset="0"/>
+                              </a:rPr>
+                            </m:ctrlPr>
+                          </m:sSubPr>
+                          <m:e>
+                            <m:r>
+                              <a:rPr lang="en-US" b="0" i="1" smtClean="0">
+                                <a:latin typeface="Cambria Math" panose="02040503050406030204" pitchFamily="18" charset="0"/>
+                              </a:rPr>
+                              <m:t>𝑃</m:t>
+                            </m:r>
+                          </m:e>
+                          <m:sub>
+                            <m:r>
+                              <a:rPr lang="en-US" b="0" i="1" smtClean="0">
+                                <a:latin typeface="Cambria Math" panose="02040503050406030204" pitchFamily="18" charset="0"/>
+                              </a:rPr>
+                              <m:t>𝑥</m:t>
+                            </m:r>
+                          </m:sub>
+                        </m:sSub>
+                      </m:num>
+                      <m:den>
+                        <m:sSub>
+                          <m:sSubPr>
+                            <m:ctrlPr>
+                              <a:rPr lang="en-US" b="0" i="1" smtClean="0">
+                                <a:latin typeface="Cambria Math" panose="02040503050406030204" pitchFamily="18" charset="0"/>
+                              </a:rPr>
+                            </m:ctrlPr>
+                          </m:sSubPr>
+                          <m:e>
+                            <m:r>
+                              <a:rPr lang="en-US" b="0" i="1" smtClean="0">
+                                <a:latin typeface="Cambria Math" panose="02040503050406030204" pitchFamily="18" charset="0"/>
+                              </a:rPr>
+                              <m:t>𝑃</m:t>
+                            </m:r>
+                          </m:e>
+                          <m:sub>
+                            <m:r>
+                              <a:rPr lang="en-US" b="0" i="1" smtClean="0">
+                                <a:latin typeface="Cambria Math" panose="02040503050406030204" pitchFamily="18" charset="0"/>
+                              </a:rPr>
+                              <m:t>𝑦</m:t>
+                            </m:r>
+                          </m:sub>
+                        </m:sSub>
+                      </m:den>
+                    </m:f>
+                  </m:oMath>
+                </a14:m>
+                <a:r>
+                  <a:rPr lang="en-US" dirty="0"/>
+                  <a:t>, the relative price of the two goods.</a:t>
+                </a:r>
+              </a:p>
+              <a:p>
+                <a:pPr lvl="3"/>
+                <a:endParaRPr lang="en-US" dirty="0"/>
+              </a:p>
+              <a:p>
+                <a:r>
+                  <a:rPr lang="en-US" dirty="0"/>
+                  <a:t>The </a:t>
+                </a:r>
+                <a:r>
+                  <a:rPr lang="en-US" b="1" u="sng" dirty="0"/>
+                  <a:t>slope of the indifference curve represents the subjective exchange rate</a:t>
+                </a:r>
+                <a:r>
+                  <a:rPr lang="en-US" dirty="0"/>
+                  <a:t> determined by the consumers’ preferences.</a:t>
+                </a:r>
+              </a:p>
+              <a:p>
+                <a:pPr lvl="3"/>
+                <a:endParaRPr lang="en-US" dirty="0"/>
+              </a:p>
+              <a:p>
+                <a:r>
+                  <a:rPr lang="en-US" dirty="0"/>
+                  <a:t>We will now start investigating why this is true.</a:t>
+                </a:r>
+              </a:p>
+            </p:txBody>
+          </p:sp>
+        </mc:Choice>
+        <mc:Fallback xmlns="">
+          <p:sp>
+            <p:nvSpPr>
+              <p:cNvPr id="3" name="Content Placeholder 2">
+                <a:extLst>
+                  <a:ext uri="{FF2B5EF4-FFF2-40B4-BE49-F238E27FC236}">
+                    <a16:creationId xmlns:a16="http://schemas.microsoft.com/office/drawing/2014/main" id="{D72EFE27-3804-7B51-E952-F802403C99BD}"/>
+                  </a:ext>
+                </a:extLst>
+              </p:cNvPr>
+              <p:cNvSpPr>
+                <a:spLocks noGrp="1" noRot="1" noChangeAspect="1" noMove="1" noResize="1" noEditPoints="1" noAdjustHandles="1" noChangeArrowheads="1" noChangeShapeType="1" noTextEdit="1"/>
+              </p:cNvSpPr>
+              <p:nvPr>
+                <p:ph idx="1"/>
+              </p:nvPr>
+            </p:nvSpPr>
+            <p:spPr>
+              <a:blipFill>
+                <a:blip r:embed="rId2"/>
+                <a:stretch>
+                  <a:fillRect l="-1005" t="-1821"/>
+                </a:stretch>
+              </a:blipFill>
+            </p:spPr>
+            <p:txBody>
+              <a:bodyPr/>
+              <a:lstStyle/>
+              <a:p>
+                <a:r>
+                  <a:rPr lang="en-US">
+                    <a:noFill/>
+                  </a:rPr>
+                  <a:t> </a:t>
+                </a:r>
+              </a:p>
+            </p:txBody>
+          </p:sp>
+        </mc:Fallback>
+      </mc:AlternateContent>
+      <p:sp>
+        <p:nvSpPr>
+          <p:cNvPr id="4" name="Date Placeholder 3">
+            <a:extLst>
+              <a:ext uri="{FF2B5EF4-FFF2-40B4-BE49-F238E27FC236}">
+                <a16:creationId xmlns:a16="http://schemas.microsoft.com/office/drawing/2014/main" id="{036774B6-1CA5-F4C1-B757-676D8D2CCD94}"/>
+              </a:ext>
+            </a:extLst>
+          </p:cNvPr>
+          <p:cNvSpPr>
+            <a:spLocks noGrp="1"/>
+          </p:cNvSpPr>
+          <p:nvPr>
+            <p:ph type="dt" sz="half" idx="10"/>
+          </p:nvPr>
+        </p:nvSpPr>
+        <p:spPr/>
+        <p:txBody>
+          <a:bodyPr/>
+          <a:lstStyle/>
+          <a:p>
+            <a:r>
+              <a:rPr lang="en-US"/>
+              <a:t>ECON 300</a:t>
+            </a:r>
+            <a:endParaRPr lang="en-US" dirty="0"/>
+          </a:p>
+        </p:txBody>
+      </p:sp>
+      <p:sp>
+        <p:nvSpPr>
+          <p:cNvPr id="5" name="Footer Placeholder 4">
+            <a:extLst>
+              <a:ext uri="{FF2B5EF4-FFF2-40B4-BE49-F238E27FC236}">
+                <a16:creationId xmlns:a16="http://schemas.microsoft.com/office/drawing/2014/main" id="{33EF320D-3C82-0EC9-9223-79E43DE5A3DD}"/>
+              </a:ext>
+            </a:extLst>
+          </p:cNvPr>
+          <p:cNvSpPr>
+            <a:spLocks noGrp="1"/>
+          </p:cNvSpPr>
+          <p:nvPr>
+            <p:ph type="ftr" sz="quarter" idx="11"/>
+          </p:nvPr>
+        </p:nvSpPr>
+        <p:spPr/>
+        <p:txBody>
+          <a:bodyPr/>
+          <a:lstStyle/>
+          <a:p>
+            <a:r>
+              <a:rPr lang="en-US" dirty="0"/>
+              <a:t>DEPARTMENT OF BUSINESS &amp; ECONOMICS</a:t>
+            </a:r>
+          </a:p>
+        </p:txBody>
+      </p:sp>
+      <p:sp>
+        <p:nvSpPr>
+          <p:cNvPr id="6" name="Slide Number Placeholder 5">
+            <a:extLst>
+              <a:ext uri="{FF2B5EF4-FFF2-40B4-BE49-F238E27FC236}">
+                <a16:creationId xmlns:a16="http://schemas.microsoft.com/office/drawing/2014/main" id="{86FF51B8-64D6-8DBB-E4B6-37E97E996638}"/>
+              </a:ext>
+            </a:extLst>
+          </p:cNvPr>
+          <p:cNvSpPr>
+            <a:spLocks noGrp="1"/>
+          </p:cNvSpPr>
+          <p:nvPr>
+            <p:ph type="sldNum" sz="quarter" idx="12"/>
+          </p:nvPr>
+        </p:nvSpPr>
+        <p:spPr/>
+        <p:txBody>
+          <a:bodyPr/>
+          <a:lstStyle/>
+          <a:p>
+            <a:fld id="{1A980C56-831A-4EAB-9EDE-57C090F4F877}" type="slidenum">
+              <a:rPr lang="en-US" smtClean="0"/>
+              <a:t>2</a:t>
+            </a:fld>
+            <a:endParaRPr lang="en-US" dirty="0"/>
+          </a:p>
+        </p:txBody>
+      </p:sp>
+    </p:spTree>
+    <p:extLst>
+      <p:ext uri="{BB962C8B-B14F-4D97-AF65-F5344CB8AC3E}">
+        <p14:creationId xmlns:p14="http://schemas.microsoft.com/office/powerpoint/2010/main" val="2998091205"/>
+      </p:ext>
+    </p:extLst>
+  </p:cSld>
+  <p:clrMapOvr>
+    <a:masterClrMapping/>
+  </p:clrMapOvr>
+</p:sld>
+</file>
+
+<file path=ppt/slides/slide20.xml><?xml version="1.0" encoding="utf-8"?>
 <p:sld xmlns:a="http://schemas.openxmlformats.org/drawingml/2006/main" xmlns:r="http://schemas.openxmlformats.org/officeDocument/2006/relationships" xmlns:p="http://schemas.openxmlformats.org/presentationml/2006/main">
   <p:cSld>
     <p:spTree>
@@ -11214,7 +11000,7 @@
           <a:p>
             <a:fld id="{1A980C56-831A-4EAB-9EDE-57C090F4F877}" type="slidenum">
               <a:rPr lang="en-US" smtClean="0"/>
-              <a:t>21</a:t>
+              <a:t>20</a:t>
             </a:fld>
             <a:endParaRPr lang="en-US" dirty="0"/>
           </a:p>
@@ -11507,7 +11293,7 @@
 </p:sld>
 </file>
 
-<file path=ppt/slides/slide22.xml><?xml version="1.0" encoding="utf-8"?>
+<file path=ppt/slides/slide21.xml><?xml version="1.0" encoding="utf-8"?>
 <p:sld xmlns:a="http://schemas.openxmlformats.org/drawingml/2006/main" xmlns:r="http://schemas.openxmlformats.org/officeDocument/2006/relationships" xmlns:p="http://schemas.openxmlformats.org/presentationml/2006/main">
   <p:cSld>
     <p:spTree>
@@ -11702,7 +11488,7 @@
           <a:p>
             <a:fld id="{1A980C56-831A-4EAB-9EDE-57C090F4F877}" type="slidenum">
               <a:rPr lang="en-US" smtClean="0"/>
-              <a:t>22</a:t>
+              <a:t>21</a:t>
             </a:fld>
             <a:endParaRPr lang="en-US" dirty="0"/>
           </a:p>
@@ -12056,7 +11842,7 @@
 </p:sld>
 </file>
 
-<file path=ppt/slides/slide23.xml><?xml version="1.0" encoding="utf-8"?>
+<file path=ppt/slides/slide22.xml><?xml version="1.0" encoding="utf-8"?>
 <p:sld xmlns:a="http://schemas.openxmlformats.org/drawingml/2006/main" xmlns:r="http://schemas.openxmlformats.org/officeDocument/2006/relationships" xmlns:p="http://schemas.openxmlformats.org/presentationml/2006/main">
   <p:cSld>
     <p:spTree>
@@ -12182,7 +11968,7 @@
           <a:p>
             <a:fld id="{1A980C56-831A-4EAB-9EDE-57C090F4F877}" type="slidenum">
               <a:rPr lang="en-US" smtClean="0"/>
-              <a:t>23</a:t>
+              <a:t>22</a:t>
             </a:fld>
             <a:endParaRPr lang="en-US" dirty="0"/>
           </a:p>
@@ -12533,7 +12319,7 @@
 </p:sld>
 </file>
 
-<file path=ppt/slides/slide24.xml><?xml version="1.0" encoding="utf-8"?>
+<file path=ppt/slides/slide23.xml><?xml version="1.0" encoding="utf-8"?>
 <p:sld xmlns:a="http://schemas.openxmlformats.org/drawingml/2006/main" xmlns:r="http://schemas.openxmlformats.org/officeDocument/2006/relationships" xmlns:p="http://schemas.openxmlformats.org/presentationml/2006/main">
   <p:cSld>
     <p:spTree>
@@ -12659,7 +12445,7 @@
           <a:p>
             <a:fld id="{1A980C56-831A-4EAB-9EDE-57C090F4F877}" type="slidenum">
               <a:rPr lang="en-US" smtClean="0"/>
-              <a:t>24</a:t>
+              <a:t>23</a:t>
             </a:fld>
             <a:endParaRPr lang="en-US" dirty="0"/>
           </a:p>
@@ -13189,7 +12975,7 @@
 </p:sld>
 </file>
 
-<file path=ppt/slides/slide25.xml><?xml version="1.0" encoding="utf-8"?>
+<file path=ppt/slides/slide24.xml><?xml version="1.0" encoding="utf-8"?>
 <p:sld xmlns:a="http://schemas.openxmlformats.org/drawingml/2006/main" xmlns:r="http://schemas.openxmlformats.org/officeDocument/2006/relationships" xmlns:p="http://schemas.openxmlformats.org/presentationml/2006/main">
   <p:cSld>
     <p:spTree>
@@ -13524,7 +13310,7 @@
           <a:p>
             <a:fld id="{1A980C56-831A-4EAB-9EDE-57C090F4F877}" type="slidenum">
               <a:rPr lang="en-US" smtClean="0"/>
-              <a:t>25</a:t>
+              <a:t>24</a:t>
             </a:fld>
             <a:endParaRPr lang="en-US" dirty="0"/>
           </a:p>
@@ -13695,7 +13481,7 @@
 </p:sld>
 </file>
 
-<file path=ppt/slides/slide26.xml><?xml version="1.0" encoding="utf-8"?>
+<file path=ppt/slides/slide25.xml><?xml version="1.0" encoding="utf-8"?>
 <p:sld xmlns:a="http://schemas.openxmlformats.org/drawingml/2006/main" xmlns:r="http://schemas.openxmlformats.org/officeDocument/2006/relationships" xmlns:p="http://schemas.openxmlformats.org/presentationml/2006/main">
   <p:cSld>
     <p:spTree>
@@ -13956,7 +13742,7 @@
           <a:p>
             <a:fld id="{1A980C56-831A-4EAB-9EDE-57C090F4F877}" type="slidenum">
               <a:rPr lang="en-US" smtClean="0"/>
-              <a:t>26</a:t>
+              <a:t>25</a:t>
             </a:fld>
             <a:endParaRPr lang="en-US" dirty="0"/>
           </a:p>
@@ -14223,7 +14009,7 @@
 </p:sld>
 </file>
 
-<file path=ppt/slides/slide27.xml><?xml version="1.0" encoding="utf-8"?>
+<file path=ppt/slides/slide26.xml><?xml version="1.0" encoding="utf-8"?>
 <p:sld xmlns:a="http://schemas.openxmlformats.org/drawingml/2006/main" xmlns:r="http://schemas.openxmlformats.org/officeDocument/2006/relationships" xmlns:p="http://schemas.openxmlformats.org/presentationml/2006/main">
   <p:cSld>
     <p:spTree>
@@ -14626,7 +14412,7 @@
           <a:p>
             <a:fld id="{1A980C56-831A-4EAB-9EDE-57C090F4F877}" type="slidenum">
               <a:rPr lang="en-US" smtClean="0"/>
-              <a:t>27</a:t>
+              <a:t>26</a:t>
             </a:fld>
             <a:endParaRPr lang="en-US" dirty="0"/>
           </a:p>
@@ -14851,7 +14637,7 @@
 </p:sld>
 </file>
 
-<file path=ppt/slides/slide28.xml><?xml version="1.0" encoding="utf-8"?>
+<file path=ppt/slides/slide27.xml><?xml version="1.0" encoding="utf-8"?>
 <p:sld xmlns:a="http://schemas.openxmlformats.org/drawingml/2006/main" xmlns:r="http://schemas.openxmlformats.org/officeDocument/2006/relationships" xmlns:p="http://schemas.openxmlformats.org/presentationml/2006/main">
   <p:cSld>
     <p:spTree>
@@ -15011,7 +14797,7 @@
           <a:p>
             <a:fld id="{1A980C56-831A-4EAB-9EDE-57C090F4F877}" type="slidenum">
               <a:rPr lang="en-US" smtClean="0"/>
-              <a:t>28</a:t>
+              <a:t>27</a:t>
             </a:fld>
             <a:endParaRPr lang="en-US" dirty="0"/>
           </a:p>
@@ -15065,7 +14851,7 @@
 </p:sld>
 </file>
 
-<file path=ppt/slides/slide29.xml><?xml version="1.0" encoding="utf-8"?>
+<file path=ppt/slides/slide28.xml><?xml version="1.0" encoding="utf-8"?>
 <p:sld xmlns:a="http://schemas.openxmlformats.org/drawingml/2006/main" xmlns:r="http://schemas.openxmlformats.org/officeDocument/2006/relationships" xmlns:p="http://schemas.openxmlformats.org/presentationml/2006/main">
   <p:cSld>
     <p:spTree>
@@ -15523,7 +15309,7 @@
           <a:p>
             <a:fld id="{1A980C56-831A-4EAB-9EDE-57C090F4F877}" type="slidenum">
               <a:rPr lang="en-US" smtClean="0"/>
-              <a:t>29</a:t>
+              <a:t>28</a:t>
             </a:fld>
             <a:endParaRPr lang="en-US" dirty="0"/>
           </a:p>
@@ -15690,6 +15476,457 @@
                                           <p:spTgt spid="4">
                                             <p:txEl>
                                               <p:pRg st="6" end="6"/>
+                                            </p:txEl>
+                                          </p:spTgt>
+                                        </p:tgtEl>
+                                      </p:cBhvr>
+                                    </p:animEffect>
+                                  </p:childTnLst>
+                                </p:cTn>
+                              </p:par>
+                            </p:childTnLst>
+                          </p:cTn>
+                        </p:par>
+                      </p:childTnLst>
+                    </p:cTn>
+                  </p:par>
+                </p:childTnLst>
+              </p:cTn>
+              <p:prevCondLst>
+                <p:cond evt="onPrev" delay="0">
+                  <p:tgtEl>
+                    <p:sldTgt/>
+                  </p:tgtEl>
+                </p:cond>
+              </p:prevCondLst>
+              <p:nextCondLst>
+                <p:cond evt="onNext" delay="0">
+                  <p:tgtEl>
+                    <p:sldTgt/>
+                  </p:tgtEl>
+                </p:cond>
+              </p:nextCondLst>
+            </p:seq>
+          </p:childTnLst>
+        </p:cTn>
+      </p:par>
+    </p:tnLst>
+  </p:timing>
+</p:sld>
+</file>
+
+<file path=ppt/slides/slide29.xml><?xml version="1.0" encoding="utf-8"?>
+<p:sld xmlns:a="http://schemas.openxmlformats.org/drawingml/2006/main" xmlns:r="http://schemas.openxmlformats.org/officeDocument/2006/relationships" xmlns:p="http://schemas.openxmlformats.org/presentationml/2006/main">
+  <p:cSld>
+    <p:spTree>
+      <p:nvGrpSpPr>
+        <p:cNvPr id="1" name=""/>
+        <p:cNvGrpSpPr/>
+        <p:nvPr/>
+      </p:nvGrpSpPr>
+      <p:grpSpPr>
+        <a:xfrm>
+          <a:off x="0" y="0"/>
+          <a:ext cx="0" cy="0"/>
+          <a:chOff x="0" y="0"/>
+          <a:chExt cx="0" cy="0"/>
+        </a:xfrm>
+      </p:grpSpPr>
+      <p:sp>
+        <p:nvSpPr>
+          <p:cNvPr id="2" name="Title 1">
+            <a:extLst>
+              <a:ext uri="{FF2B5EF4-FFF2-40B4-BE49-F238E27FC236}">
+                <a16:creationId xmlns:a16="http://schemas.microsoft.com/office/drawing/2014/main" id="{63624E62-DE6B-C5E3-AA39-D17FD5735B1D}"/>
+              </a:ext>
+            </a:extLst>
+          </p:cNvPr>
+          <p:cNvSpPr>
+            <a:spLocks noGrp="1"/>
+          </p:cNvSpPr>
+          <p:nvPr>
+            <p:ph type="title"/>
+          </p:nvPr>
+        </p:nvSpPr>
+        <p:spPr/>
+        <p:txBody>
+          <a:bodyPr/>
+          <a:lstStyle/>
+          <a:p>
+            <a:r>
+              <a:rPr lang="en-US" dirty="0"/>
+              <a:t>The Leontief Utility Function</a:t>
+            </a:r>
+          </a:p>
+        </p:txBody>
+      </p:sp>
+      <p:sp>
+        <p:nvSpPr>
+          <p:cNvPr id="4" name="Content Placeholder 3">
+            <a:extLst>
+              <a:ext uri="{FF2B5EF4-FFF2-40B4-BE49-F238E27FC236}">
+                <a16:creationId xmlns:a16="http://schemas.microsoft.com/office/drawing/2014/main" id="{A75D8A7C-C42B-E8BF-7653-4669FB80DE3B}"/>
+              </a:ext>
+            </a:extLst>
+          </p:cNvPr>
+          <p:cNvSpPr>
+            <a:spLocks noGrp="1"/>
+          </p:cNvSpPr>
+          <p:nvPr>
+            <p:ph sz="half" idx="2"/>
+          </p:nvPr>
+        </p:nvSpPr>
+        <p:spPr>
+          <a:xfrm>
+            <a:off x="4629150" y="1825625"/>
+            <a:ext cx="3980012" cy="4530726"/>
+          </a:xfrm>
+        </p:spPr>
+        <p:txBody>
+          <a:bodyPr>
+            <a:normAutofit/>
+          </a:bodyPr>
+          <a:lstStyle/>
+          <a:p>
+            <a:r>
+              <a:rPr lang="en-US" dirty="0"/>
+              <a:t>Bundle A, B, and C provide the same level of utility.</a:t>
+            </a:r>
+          </a:p>
+          <a:p>
+            <a:pPr lvl="3"/>
+            <a:endParaRPr lang="en-US" dirty="0"/>
+          </a:p>
+          <a:p>
+            <a:r>
+              <a:rPr lang="en-US" dirty="0"/>
+              <a:t>“Having more of one good means nothing if I don’t have enough of the other to complement it.”</a:t>
+            </a:r>
+          </a:p>
+          <a:p>
+            <a:pPr lvl="3"/>
+            <a:endParaRPr lang="en-US" dirty="0"/>
+          </a:p>
+          <a:p>
+            <a:r>
+              <a:rPr lang="en-US" dirty="0"/>
+              <a:t>We can tell that the goods are perfect complements.</a:t>
+            </a:r>
+          </a:p>
+          <a:p>
+            <a:endParaRPr lang="en-US" dirty="0"/>
+          </a:p>
+        </p:txBody>
+      </p:sp>
+      <p:sp>
+        <p:nvSpPr>
+          <p:cNvPr id="5" name="Date Placeholder 4">
+            <a:extLst>
+              <a:ext uri="{FF2B5EF4-FFF2-40B4-BE49-F238E27FC236}">
+                <a16:creationId xmlns:a16="http://schemas.microsoft.com/office/drawing/2014/main" id="{1B3E92CB-C702-DD0A-23EF-1434B4D0B94D}"/>
+              </a:ext>
+            </a:extLst>
+          </p:cNvPr>
+          <p:cNvSpPr>
+            <a:spLocks noGrp="1"/>
+          </p:cNvSpPr>
+          <p:nvPr>
+            <p:ph type="dt" sz="half" idx="10"/>
+          </p:nvPr>
+        </p:nvSpPr>
+        <p:spPr/>
+        <p:txBody>
+          <a:bodyPr/>
+          <a:lstStyle/>
+          <a:p>
+            <a:r>
+              <a:rPr lang="en-US"/>
+              <a:t>ECON 300</a:t>
+            </a:r>
+            <a:endParaRPr lang="en-US" dirty="0"/>
+          </a:p>
+        </p:txBody>
+      </p:sp>
+      <p:sp>
+        <p:nvSpPr>
+          <p:cNvPr id="6" name="Footer Placeholder 5">
+            <a:extLst>
+              <a:ext uri="{FF2B5EF4-FFF2-40B4-BE49-F238E27FC236}">
+                <a16:creationId xmlns:a16="http://schemas.microsoft.com/office/drawing/2014/main" id="{AAEFBDE9-1E42-2DBD-DE9B-B627ABF2D30D}"/>
+              </a:ext>
+            </a:extLst>
+          </p:cNvPr>
+          <p:cNvSpPr>
+            <a:spLocks noGrp="1"/>
+          </p:cNvSpPr>
+          <p:nvPr>
+            <p:ph type="ftr" sz="quarter" idx="11"/>
+          </p:nvPr>
+        </p:nvSpPr>
+        <p:spPr/>
+        <p:txBody>
+          <a:bodyPr/>
+          <a:lstStyle/>
+          <a:p>
+            <a:r>
+              <a:rPr lang="en-US"/>
+              <a:t>DEPARTMENT OF BUSINESS &amp; ECONOMICS</a:t>
+            </a:r>
+            <a:endParaRPr lang="en-US" dirty="0"/>
+          </a:p>
+        </p:txBody>
+      </p:sp>
+      <p:sp>
+        <p:nvSpPr>
+          <p:cNvPr id="7" name="Slide Number Placeholder 6">
+            <a:extLst>
+              <a:ext uri="{FF2B5EF4-FFF2-40B4-BE49-F238E27FC236}">
+                <a16:creationId xmlns:a16="http://schemas.microsoft.com/office/drawing/2014/main" id="{A62B7E4C-BB89-006B-A404-5377B1924FFC}"/>
+              </a:ext>
+            </a:extLst>
+          </p:cNvPr>
+          <p:cNvSpPr>
+            <a:spLocks noGrp="1"/>
+          </p:cNvSpPr>
+          <p:nvPr>
+            <p:ph type="sldNum" sz="quarter" idx="12"/>
+          </p:nvPr>
+        </p:nvSpPr>
+        <p:spPr/>
+        <p:txBody>
+          <a:bodyPr/>
+          <a:lstStyle/>
+          <a:p>
+            <a:fld id="{1A980C56-831A-4EAB-9EDE-57C090F4F877}" type="slidenum">
+              <a:rPr lang="en-US" smtClean="0"/>
+              <a:t>29</a:t>
+            </a:fld>
+            <a:endParaRPr lang="en-US" dirty="0"/>
+          </a:p>
+        </p:txBody>
+      </p:sp>
+      <p:pic>
+        <p:nvPicPr>
+          <p:cNvPr id="10" name="Content Placeholder 9" descr="A diagram of a graph&#10;&#10;Description automatically generated">
+            <a:extLst>
+              <a:ext uri="{FF2B5EF4-FFF2-40B4-BE49-F238E27FC236}">
+                <a16:creationId xmlns:a16="http://schemas.microsoft.com/office/drawing/2014/main" id="{A73BD60C-0799-5684-8919-EC5301826525}"/>
+              </a:ext>
+            </a:extLst>
+          </p:cNvPr>
+          <p:cNvPicPr>
+            <a:picLocks noGrp="1" noChangeAspect="1"/>
+          </p:cNvPicPr>
+          <p:nvPr>
+            <p:ph sz="half" idx="1"/>
+          </p:nvPr>
+        </p:nvPicPr>
+        <p:blipFill>
+          <a:blip r:embed="rId2">
+            <a:extLst>
+              <a:ext uri="{28A0092B-C50C-407E-A947-70E740481C1C}">
+                <a14:useLocalDpi xmlns:a14="http://schemas.microsoft.com/office/drawing/2010/main" val="0"/>
+              </a:ext>
+            </a:extLst>
+          </a:blip>
+          <a:stretch>
+            <a:fillRect/>
+          </a:stretch>
+        </p:blipFill>
+        <p:spPr>
+          <a:xfrm>
+            <a:off x="628650" y="1842294"/>
+            <a:ext cx="3886200" cy="4318000"/>
+          </a:xfrm>
+        </p:spPr>
+      </p:pic>
+    </p:spTree>
+    <p:extLst>
+      <p:ext uri="{BB962C8B-B14F-4D97-AF65-F5344CB8AC3E}">
+        <p14:creationId xmlns:p14="http://schemas.microsoft.com/office/powerpoint/2010/main" val="1091038775"/>
+      </p:ext>
+    </p:extLst>
+  </p:cSld>
+  <p:clrMapOvr>
+    <a:masterClrMapping/>
+  </p:clrMapOvr>
+  <p:timing>
+    <p:tnLst>
+      <p:par>
+        <p:cTn id="1" dur="indefinite" restart="never" nodeType="tmRoot">
+          <p:childTnLst>
+            <p:seq concurrent="1" nextAc="seek">
+              <p:cTn id="2" dur="indefinite" nodeType="mainSeq">
+                <p:childTnLst>
+                  <p:par>
+                    <p:cTn id="3" fill="hold">
+                      <p:stCondLst>
+                        <p:cond delay="indefinite"/>
+                      </p:stCondLst>
+                      <p:childTnLst>
+                        <p:par>
+                          <p:cTn id="4" fill="hold">
+                            <p:stCondLst>
+                              <p:cond delay="0"/>
+                            </p:stCondLst>
+                            <p:childTnLst>
+                              <p:par>
+                                <p:cTn id="5" presetID="10" presetClass="entr" presetSubtype="0" fill="hold" nodeType="clickEffect">
+                                  <p:stCondLst>
+                                    <p:cond delay="0"/>
+                                  </p:stCondLst>
+                                  <p:childTnLst>
+                                    <p:set>
+                                      <p:cBhvr>
+                                        <p:cTn id="6" dur="1" fill="hold">
+                                          <p:stCondLst>
+                                            <p:cond delay="0"/>
+                                          </p:stCondLst>
+                                        </p:cTn>
+                                        <p:tgtEl>
+                                          <p:spTgt spid="4">
+                                            <p:txEl>
+                                              <p:pRg st="0" end="0"/>
+                                            </p:txEl>
+                                          </p:spTgt>
+                                        </p:tgtEl>
+                                        <p:attrNameLst>
+                                          <p:attrName>style.visibility</p:attrName>
+                                        </p:attrNameLst>
+                                      </p:cBhvr>
+                                      <p:to>
+                                        <p:strVal val="visible"/>
+                                      </p:to>
+                                    </p:set>
+                                    <p:animEffect transition="in" filter="fade">
+                                      <p:cBhvr>
+                                        <p:cTn id="7" dur="500"/>
+                                        <p:tgtEl>
+                                          <p:spTgt spid="4">
+                                            <p:txEl>
+                                              <p:pRg st="0" end="0"/>
+                                            </p:txEl>
+                                          </p:spTgt>
+                                        </p:tgtEl>
+                                      </p:cBhvr>
+                                    </p:animEffect>
+                                  </p:childTnLst>
+                                </p:cTn>
+                              </p:par>
+                            </p:childTnLst>
+                          </p:cTn>
+                        </p:par>
+                      </p:childTnLst>
+                    </p:cTn>
+                  </p:par>
+                  <p:par>
+                    <p:cTn id="8" fill="hold">
+                      <p:stCondLst>
+                        <p:cond delay="indefinite"/>
+                      </p:stCondLst>
+                      <p:childTnLst>
+                        <p:par>
+                          <p:cTn id="9" fill="hold">
+                            <p:stCondLst>
+                              <p:cond delay="0"/>
+                            </p:stCondLst>
+                            <p:childTnLst>
+                              <p:par>
+                                <p:cTn id="10" presetID="10" presetClass="entr" presetSubtype="0" fill="hold" nodeType="clickEffect">
+                                  <p:stCondLst>
+                                    <p:cond delay="0"/>
+                                  </p:stCondLst>
+                                  <p:childTnLst>
+                                    <p:set>
+                                      <p:cBhvr>
+                                        <p:cTn id="11" dur="1" fill="hold">
+                                          <p:stCondLst>
+                                            <p:cond delay="0"/>
+                                          </p:stCondLst>
+                                        </p:cTn>
+                                        <p:tgtEl>
+                                          <p:spTgt spid="4">
+                                            <p:txEl>
+                                              <p:pRg st="2" end="2"/>
+                                            </p:txEl>
+                                          </p:spTgt>
+                                        </p:tgtEl>
+                                        <p:attrNameLst>
+                                          <p:attrName>style.visibility</p:attrName>
+                                        </p:attrNameLst>
+                                      </p:cBhvr>
+                                      <p:to>
+                                        <p:strVal val="visible"/>
+                                      </p:to>
+                                    </p:set>
+                                    <p:animEffect transition="in" filter="fade">
+                                      <p:cBhvr>
+                                        <p:cTn id="12" dur="500"/>
+                                        <p:tgtEl>
+                                          <p:spTgt spid="4">
+                                            <p:txEl>
+                                              <p:pRg st="2" end="2"/>
+                                            </p:txEl>
+                                          </p:spTgt>
+                                        </p:tgtEl>
+                                      </p:cBhvr>
+                                    </p:animEffect>
+                                  </p:childTnLst>
+                                </p:cTn>
+                              </p:par>
+                            </p:childTnLst>
+                          </p:cTn>
+                        </p:par>
+                      </p:childTnLst>
+                    </p:cTn>
+                  </p:par>
+                  <p:par>
+                    <p:cTn id="13" fill="hold">
+                      <p:stCondLst>
+                        <p:cond delay="indefinite"/>
+                      </p:stCondLst>
+                      <p:childTnLst>
+                        <p:par>
+                          <p:cTn id="14" fill="hold">
+                            <p:stCondLst>
+                              <p:cond delay="0"/>
+                            </p:stCondLst>
+                            <p:childTnLst>
+                              <p:par>
+                                <p:cTn id="15" presetID="10" presetClass="entr" presetSubtype="0" fill="hold" nodeType="clickEffect">
+                                  <p:stCondLst>
+                                    <p:cond delay="0"/>
+                                  </p:stCondLst>
+                                  <p:childTnLst>
+                                    <p:set>
+                                      <p:cBhvr>
+                                        <p:cTn id="16" dur="1" fill="hold">
+                                          <p:stCondLst>
+                                            <p:cond delay="0"/>
+                                          </p:stCondLst>
+                                        </p:cTn>
+                                        <p:tgtEl>
+                                          <p:spTgt spid="4">
+                                            <p:txEl>
+                                              <p:pRg st="4" end="4"/>
+                                            </p:txEl>
+                                          </p:spTgt>
+                                        </p:tgtEl>
+                                        <p:attrNameLst>
+                                          <p:attrName>style.visibility</p:attrName>
+                                        </p:attrNameLst>
+                                      </p:cBhvr>
+                                      <p:to>
+                                        <p:strVal val="visible"/>
+                                      </p:to>
+                                    </p:set>
+                                    <p:animEffect transition="in" filter="fade">
+                                      <p:cBhvr>
+                                        <p:cTn id="17" dur="500"/>
+                                        <p:tgtEl>
+                                          <p:spTgt spid="4">
+                                            <p:txEl>
+                                              <p:pRg st="4" end="4"/>
                                             </p:txEl>
                                           </p:spTgt>
                                         </p:tgtEl>
@@ -16675,457 +16912,6 @@
           </a:p>
         </p:txBody>
       </p:sp>
-      <p:sp>
-        <p:nvSpPr>
-          <p:cNvPr id="4" name="Content Placeholder 3">
-            <a:extLst>
-              <a:ext uri="{FF2B5EF4-FFF2-40B4-BE49-F238E27FC236}">
-                <a16:creationId xmlns:a16="http://schemas.microsoft.com/office/drawing/2014/main" id="{A75D8A7C-C42B-E8BF-7653-4669FB80DE3B}"/>
-              </a:ext>
-            </a:extLst>
-          </p:cNvPr>
-          <p:cNvSpPr>
-            <a:spLocks noGrp="1"/>
-          </p:cNvSpPr>
-          <p:nvPr>
-            <p:ph sz="half" idx="2"/>
-          </p:nvPr>
-        </p:nvSpPr>
-        <p:spPr>
-          <a:xfrm>
-            <a:off x="4629150" y="1825625"/>
-            <a:ext cx="3980012" cy="4530726"/>
-          </a:xfrm>
-        </p:spPr>
-        <p:txBody>
-          <a:bodyPr>
-            <a:normAutofit/>
-          </a:bodyPr>
-          <a:lstStyle/>
-          <a:p>
-            <a:r>
-              <a:rPr lang="en-US" dirty="0"/>
-              <a:t>Bundle A, B, and C provide the same level of utility.</a:t>
-            </a:r>
-          </a:p>
-          <a:p>
-            <a:pPr lvl="3"/>
-            <a:endParaRPr lang="en-US" dirty="0"/>
-          </a:p>
-          <a:p>
-            <a:r>
-              <a:rPr lang="en-US" dirty="0"/>
-              <a:t>“Having more of one good means nothing if I don’t have enough of the other to complement it.”</a:t>
-            </a:r>
-          </a:p>
-          <a:p>
-            <a:pPr lvl="3"/>
-            <a:endParaRPr lang="en-US" dirty="0"/>
-          </a:p>
-          <a:p>
-            <a:r>
-              <a:rPr lang="en-US" dirty="0"/>
-              <a:t>We can tell that the goods are perfect complements.</a:t>
-            </a:r>
-          </a:p>
-          <a:p>
-            <a:endParaRPr lang="en-US" dirty="0"/>
-          </a:p>
-        </p:txBody>
-      </p:sp>
-      <p:sp>
-        <p:nvSpPr>
-          <p:cNvPr id="5" name="Date Placeholder 4">
-            <a:extLst>
-              <a:ext uri="{FF2B5EF4-FFF2-40B4-BE49-F238E27FC236}">
-                <a16:creationId xmlns:a16="http://schemas.microsoft.com/office/drawing/2014/main" id="{1B3E92CB-C702-DD0A-23EF-1434B4D0B94D}"/>
-              </a:ext>
-            </a:extLst>
-          </p:cNvPr>
-          <p:cNvSpPr>
-            <a:spLocks noGrp="1"/>
-          </p:cNvSpPr>
-          <p:nvPr>
-            <p:ph type="dt" sz="half" idx="10"/>
-          </p:nvPr>
-        </p:nvSpPr>
-        <p:spPr/>
-        <p:txBody>
-          <a:bodyPr/>
-          <a:lstStyle/>
-          <a:p>
-            <a:r>
-              <a:rPr lang="en-US"/>
-              <a:t>ECON 300</a:t>
-            </a:r>
-            <a:endParaRPr lang="en-US" dirty="0"/>
-          </a:p>
-        </p:txBody>
-      </p:sp>
-      <p:sp>
-        <p:nvSpPr>
-          <p:cNvPr id="6" name="Footer Placeholder 5">
-            <a:extLst>
-              <a:ext uri="{FF2B5EF4-FFF2-40B4-BE49-F238E27FC236}">
-                <a16:creationId xmlns:a16="http://schemas.microsoft.com/office/drawing/2014/main" id="{AAEFBDE9-1E42-2DBD-DE9B-B627ABF2D30D}"/>
-              </a:ext>
-            </a:extLst>
-          </p:cNvPr>
-          <p:cNvSpPr>
-            <a:spLocks noGrp="1"/>
-          </p:cNvSpPr>
-          <p:nvPr>
-            <p:ph type="ftr" sz="quarter" idx="11"/>
-          </p:nvPr>
-        </p:nvSpPr>
-        <p:spPr/>
-        <p:txBody>
-          <a:bodyPr/>
-          <a:lstStyle/>
-          <a:p>
-            <a:r>
-              <a:rPr lang="en-US"/>
-              <a:t>DEPARTMENT OF BUSINESS &amp; ECONOMICS</a:t>
-            </a:r>
-            <a:endParaRPr lang="en-US" dirty="0"/>
-          </a:p>
-        </p:txBody>
-      </p:sp>
-      <p:sp>
-        <p:nvSpPr>
-          <p:cNvPr id="7" name="Slide Number Placeholder 6">
-            <a:extLst>
-              <a:ext uri="{FF2B5EF4-FFF2-40B4-BE49-F238E27FC236}">
-                <a16:creationId xmlns:a16="http://schemas.microsoft.com/office/drawing/2014/main" id="{A62B7E4C-BB89-006B-A404-5377B1924FFC}"/>
-              </a:ext>
-            </a:extLst>
-          </p:cNvPr>
-          <p:cNvSpPr>
-            <a:spLocks noGrp="1"/>
-          </p:cNvSpPr>
-          <p:nvPr>
-            <p:ph type="sldNum" sz="quarter" idx="12"/>
-          </p:nvPr>
-        </p:nvSpPr>
-        <p:spPr/>
-        <p:txBody>
-          <a:bodyPr/>
-          <a:lstStyle/>
-          <a:p>
-            <a:fld id="{1A980C56-831A-4EAB-9EDE-57C090F4F877}" type="slidenum">
-              <a:rPr lang="en-US" smtClean="0"/>
-              <a:t>30</a:t>
-            </a:fld>
-            <a:endParaRPr lang="en-US" dirty="0"/>
-          </a:p>
-        </p:txBody>
-      </p:sp>
-      <p:pic>
-        <p:nvPicPr>
-          <p:cNvPr id="10" name="Content Placeholder 9" descr="A diagram of a graph&#10;&#10;Description automatically generated">
-            <a:extLst>
-              <a:ext uri="{FF2B5EF4-FFF2-40B4-BE49-F238E27FC236}">
-                <a16:creationId xmlns:a16="http://schemas.microsoft.com/office/drawing/2014/main" id="{A73BD60C-0799-5684-8919-EC5301826525}"/>
-              </a:ext>
-            </a:extLst>
-          </p:cNvPr>
-          <p:cNvPicPr>
-            <a:picLocks noGrp="1" noChangeAspect="1"/>
-          </p:cNvPicPr>
-          <p:nvPr>
-            <p:ph sz="half" idx="1"/>
-          </p:nvPr>
-        </p:nvPicPr>
-        <p:blipFill>
-          <a:blip r:embed="rId2">
-            <a:extLst>
-              <a:ext uri="{28A0092B-C50C-407E-A947-70E740481C1C}">
-                <a14:useLocalDpi xmlns:a14="http://schemas.microsoft.com/office/drawing/2010/main" val="0"/>
-              </a:ext>
-            </a:extLst>
-          </a:blip>
-          <a:stretch>
-            <a:fillRect/>
-          </a:stretch>
-        </p:blipFill>
-        <p:spPr>
-          <a:xfrm>
-            <a:off x="628650" y="1842294"/>
-            <a:ext cx="3886200" cy="4318000"/>
-          </a:xfrm>
-        </p:spPr>
-      </p:pic>
-    </p:spTree>
-    <p:extLst>
-      <p:ext uri="{BB962C8B-B14F-4D97-AF65-F5344CB8AC3E}">
-        <p14:creationId xmlns:p14="http://schemas.microsoft.com/office/powerpoint/2010/main" val="1091038775"/>
-      </p:ext>
-    </p:extLst>
-  </p:cSld>
-  <p:clrMapOvr>
-    <a:masterClrMapping/>
-  </p:clrMapOvr>
-  <p:timing>
-    <p:tnLst>
-      <p:par>
-        <p:cTn id="1" dur="indefinite" restart="never" nodeType="tmRoot">
-          <p:childTnLst>
-            <p:seq concurrent="1" nextAc="seek">
-              <p:cTn id="2" dur="indefinite" nodeType="mainSeq">
-                <p:childTnLst>
-                  <p:par>
-                    <p:cTn id="3" fill="hold">
-                      <p:stCondLst>
-                        <p:cond delay="indefinite"/>
-                      </p:stCondLst>
-                      <p:childTnLst>
-                        <p:par>
-                          <p:cTn id="4" fill="hold">
-                            <p:stCondLst>
-                              <p:cond delay="0"/>
-                            </p:stCondLst>
-                            <p:childTnLst>
-                              <p:par>
-                                <p:cTn id="5" presetID="10" presetClass="entr" presetSubtype="0" fill="hold" nodeType="clickEffect">
-                                  <p:stCondLst>
-                                    <p:cond delay="0"/>
-                                  </p:stCondLst>
-                                  <p:childTnLst>
-                                    <p:set>
-                                      <p:cBhvr>
-                                        <p:cTn id="6" dur="1" fill="hold">
-                                          <p:stCondLst>
-                                            <p:cond delay="0"/>
-                                          </p:stCondLst>
-                                        </p:cTn>
-                                        <p:tgtEl>
-                                          <p:spTgt spid="4">
-                                            <p:txEl>
-                                              <p:pRg st="0" end="0"/>
-                                            </p:txEl>
-                                          </p:spTgt>
-                                        </p:tgtEl>
-                                        <p:attrNameLst>
-                                          <p:attrName>style.visibility</p:attrName>
-                                        </p:attrNameLst>
-                                      </p:cBhvr>
-                                      <p:to>
-                                        <p:strVal val="visible"/>
-                                      </p:to>
-                                    </p:set>
-                                    <p:animEffect transition="in" filter="fade">
-                                      <p:cBhvr>
-                                        <p:cTn id="7" dur="500"/>
-                                        <p:tgtEl>
-                                          <p:spTgt spid="4">
-                                            <p:txEl>
-                                              <p:pRg st="0" end="0"/>
-                                            </p:txEl>
-                                          </p:spTgt>
-                                        </p:tgtEl>
-                                      </p:cBhvr>
-                                    </p:animEffect>
-                                  </p:childTnLst>
-                                </p:cTn>
-                              </p:par>
-                            </p:childTnLst>
-                          </p:cTn>
-                        </p:par>
-                      </p:childTnLst>
-                    </p:cTn>
-                  </p:par>
-                  <p:par>
-                    <p:cTn id="8" fill="hold">
-                      <p:stCondLst>
-                        <p:cond delay="indefinite"/>
-                      </p:stCondLst>
-                      <p:childTnLst>
-                        <p:par>
-                          <p:cTn id="9" fill="hold">
-                            <p:stCondLst>
-                              <p:cond delay="0"/>
-                            </p:stCondLst>
-                            <p:childTnLst>
-                              <p:par>
-                                <p:cTn id="10" presetID="10" presetClass="entr" presetSubtype="0" fill="hold" nodeType="clickEffect">
-                                  <p:stCondLst>
-                                    <p:cond delay="0"/>
-                                  </p:stCondLst>
-                                  <p:childTnLst>
-                                    <p:set>
-                                      <p:cBhvr>
-                                        <p:cTn id="11" dur="1" fill="hold">
-                                          <p:stCondLst>
-                                            <p:cond delay="0"/>
-                                          </p:stCondLst>
-                                        </p:cTn>
-                                        <p:tgtEl>
-                                          <p:spTgt spid="4">
-                                            <p:txEl>
-                                              <p:pRg st="2" end="2"/>
-                                            </p:txEl>
-                                          </p:spTgt>
-                                        </p:tgtEl>
-                                        <p:attrNameLst>
-                                          <p:attrName>style.visibility</p:attrName>
-                                        </p:attrNameLst>
-                                      </p:cBhvr>
-                                      <p:to>
-                                        <p:strVal val="visible"/>
-                                      </p:to>
-                                    </p:set>
-                                    <p:animEffect transition="in" filter="fade">
-                                      <p:cBhvr>
-                                        <p:cTn id="12" dur="500"/>
-                                        <p:tgtEl>
-                                          <p:spTgt spid="4">
-                                            <p:txEl>
-                                              <p:pRg st="2" end="2"/>
-                                            </p:txEl>
-                                          </p:spTgt>
-                                        </p:tgtEl>
-                                      </p:cBhvr>
-                                    </p:animEffect>
-                                  </p:childTnLst>
-                                </p:cTn>
-                              </p:par>
-                            </p:childTnLst>
-                          </p:cTn>
-                        </p:par>
-                      </p:childTnLst>
-                    </p:cTn>
-                  </p:par>
-                  <p:par>
-                    <p:cTn id="13" fill="hold">
-                      <p:stCondLst>
-                        <p:cond delay="indefinite"/>
-                      </p:stCondLst>
-                      <p:childTnLst>
-                        <p:par>
-                          <p:cTn id="14" fill="hold">
-                            <p:stCondLst>
-                              <p:cond delay="0"/>
-                            </p:stCondLst>
-                            <p:childTnLst>
-                              <p:par>
-                                <p:cTn id="15" presetID="10" presetClass="entr" presetSubtype="0" fill="hold" nodeType="clickEffect">
-                                  <p:stCondLst>
-                                    <p:cond delay="0"/>
-                                  </p:stCondLst>
-                                  <p:childTnLst>
-                                    <p:set>
-                                      <p:cBhvr>
-                                        <p:cTn id="16" dur="1" fill="hold">
-                                          <p:stCondLst>
-                                            <p:cond delay="0"/>
-                                          </p:stCondLst>
-                                        </p:cTn>
-                                        <p:tgtEl>
-                                          <p:spTgt spid="4">
-                                            <p:txEl>
-                                              <p:pRg st="4" end="4"/>
-                                            </p:txEl>
-                                          </p:spTgt>
-                                        </p:tgtEl>
-                                        <p:attrNameLst>
-                                          <p:attrName>style.visibility</p:attrName>
-                                        </p:attrNameLst>
-                                      </p:cBhvr>
-                                      <p:to>
-                                        <p:strVal val="visible"/>
-                                      </p:to>
-                                    </p:set>
-                                    <p:animEffect transition="in" filter="fade">
-                                      <p:cBhvr>
-                                        <p:cTn id="17" dur="500"/>
-                                        <p:tgtEl>
-                                          <p:spTgt spid="4">
-                                            <p:txEl>
-                                              <p:pRg st="4" end="4"/>
-                                            </p:txEl>
-                                          </p:spTgt>
-                                        </p:tgtEl>
-                                      </p:cBhvr>
-                                    </p:animEffect>
-                                  </p:childTnLst>
-                                </p:cTn>
-                              </p:par>
-                            </p:childTnLst>
-                          </p:cTn>
-                        </p:par>
-                      </p:childTnLst>
-                    </p:cTn>
-                  </p:par>
-                </p:childTnLst>
-              </p:cTn>
-              <p:prevCondLst>
-                <p:cond evt="onPrev" delay="0">
-                  <p:tgtEl>
-                    <p:sldTgt/>
-                  </p:tgtEl>
-                </p:cond>
-              </p:prevCondLst>
-              <p:nextCondLst>
-                <p:cond evt="onNext" delay="0">
-                  <p:tgtEl>
-                    <p:sldTgt/>
-                  </p:tgtEl>
-                </p:cond>
-              </p:nextCondLst>
-            </p:seq>
-          </p:childTnLst>
-        </p:cTn>
-      </p:par>
-    </p:tnLst>
-  </p:timing>
-</p:sld>
-</file>
-
-<file path=ppt/slides/slide31.xml><?xml version="1.0" encoding="utf-8"?>
-<p:sld xmlns:a="http://schemas.openxmlformats.org/drawingml/2006/main" xmlns:r="http://schemas.openxmlformats.org/officeDocument/2006/relationships" xmlns:p="http://schemas.openxmlformats.org/presentationml/2006/main">
-  <p:cSld>
-    <p:spTree>
-      <p:nvGrpSpPr>
-        <p:cNvPr id="1" name=""/>
-        <p:cNvGrpSpPr/>
-        <p:nvPr/>
-      </p:nvGrpSpPr>
-      <p:grpSpPr>
-        <a:xfrm>
-          <a:off x="0" y="0"/>
-          <a:ext cx="0" cy="0"/>
-          <a:chOff x="0" y="0"/>
-          <a:chExt cx="0" cy="0"/>
-        </a:xfrm>
-      </p:grpSpPr>
-      <p:sp>
-        <p:nvSpPr>
-          <p:cNvPr id="2" name="Title 1">
-            <a:extLst>
-              <a:ext uri="{FF2B5EF4-FFF2-40B4-BE49-F238E27FC236}">
-                <a16:creationId xmlns:a16="http://schemas.microsoft.com/office/drawing/2014/main" id="{63624E62-DE6B-C5E3-AA39-D17FD5735B1D}"/>
-              </a:ext>
-            </a:extLst>
-          </p:cNvPr>
-          <p:cNvSpPr>
-            <a:spLocks noGrp="1"/>
-          </p:cNvSpPr>
-          <p:nvPr>
-            <p:ph type="title"/>
-          </p:nvPr>
-        </p:nvSpPr>
-        <p:spPr/>
-        <p:txBody>
-          <a:bodyPr/>
-          <a:lstStyle/>
-          <a:p>
-            <a:r>
-              <a:rPr lang="en-US" dirty="0"/>
-              <a:t>The Leontief Utility Function</a:t>
-            </a:r>
-          </a:p>
-        </p:txBody>
-      </p:sp>
       <mc:AlternateContent xmlns:mc="http://schemas.openxmlformats.org/markup-compatibility/2006" xmlns:a14="http://schemas.microsoft.com/office/drawing/2010/main">
         <mc:Choice Requires="a14">
           <p:sp>
@@ -17458,7 +17244,7 @@
           <a:p>
             <a:fld id="{1A980C56-831A-4EAB-9EDE-57C090F4F877}" type="slidenum">
               <a:rPr lang="en-US" smtClean="0"/>
-              <a:t>31</a:t>
+              <a:t>30</a:t>
             </a:fld>
             <a:endParaRPr lang="en-US" dirty="0"/>
           </a:p>
@@ -17744,7 +17530,7 @@
 </p:sld>
 </file>
 
-<file path=ppt/slides/slide32.xml><?xml version="1.0" encoding="utf-8"?>
+<file path=ppt/slides/slide31.xml><?xml version="1.0" encoding="utf-8"?>
 <p:sld xmlns:a="http://schemas.openxmlformats.org/drawingml/2006/main" xmlns:r="http://schemas.openxmlformats.org/officeDocument/2006/relationships" xmlns:p="http://schemas.openxmlformats.org/presentationml/2006/main">
   <p:cSld>
     <p:spTree>
@@ -18186,7 +17972,7 @@
           <a:p>
             <a:fld id="{1A980C56-831A-4EAB-9EDE-57C090F4F877}" type="slidenum">
               <a:rPr lang="en-US" smtClean="0"/>
-              <a:t>32</a:t>
+              <a:t>31</a:t>
             </a:fld>
             <a:endParaRPr lang="en-US" dirty="0"/>
           </a:p>
@@ -18411,7 +18197,7 @@
 </p:sld>
 </file>
 
-<file path=ppt/slides/slide33.xml><?xml version="1.0" encoding="utf-8"?>
+<file path=ppt/slides/slide32.xml><?xml version="1.0" encoding="utf-8"?>
 <p:sld xmlns:a="http://schemas.openxmlformats.org/drawingml/2006/main" xmlns:r="http://schemas.openxmlformats.org/officeDocument/2006/relationships" xmlns:p="http://schemas.openxmlformats.org/presentationml/2006/main">
   <p:cSld>
     <p:spTree>
@@ -18572,7 +18358,7 @@
           <a:p>
             <a:fld id="{1A980C56-831A-4EAB-9EDE-57C090F4F877}" type="slidenum">
               <a:rPr lang="en-US" smtClean="0"/>
-              <a:t>33</a:t>
+              <a:t>32</a:t>
             </a:fld>
             <a:endParaRPr lang="en-US" dirty="0"/>
           </a:p>
@@ -18626,7 +18412,7 @@
 </p:sld>
 </file>
 
-<file path=ppt/slides/slide34.xml><?xml version="1.0" encoding="utf-8"?>
+<file path=ppt/slides/slide33.xml><?xml version="1.0" encoding="utf-8"?>
 <p:sld xmlns:a="http://schemas.openxmlformats.org/drawingml/2006/main" xmlns:r="http://schemas.openxmlformats.org/officeDocument/2006/relationships" xmlns:p="http://schemas.openxmlformats.org/presentationml/2006/main">
   <p:cSld>
     <p:spTree>
@@ -18816,7 +18602,7 @@
           <a:p>
             <a:fld id="{1A980C56-831A-4EAB-9EDE-57C090F4F877}" type="slidenum">
               <a:rPr lang="en-US" smtClean="0"/>
-              <a:t>34</a:t>
+              <a:t>33</a:t>
             </a:fld>
             <a:endParaRPr lang="en-US" dirty="0"/>
           </a:p>
@@ -19170,7 +18956,7 @@
 </p:sld>
 </file>
 
-<file path=ppt/slides/slide35.xml><?xml version="1.0" encoding="utf-8"?>
+<file path=ppt/slides/slide34.xml><?xml version="1.0" encoding="utf-8"?>
 <p:sld xmlns:a="http://schemas.openxmlformats.org/drawingml/2006/main" xmlns:r="http://schemas.openxmlformats.org/officeDocument/2006/relationships" xmlns:p="http://schemas.openxmlformats.org/presentationml/2006/main">
   <p:cSld>
     <p:spTree>
@@ -19351,7 +19137,7 @@
           <a:p>
             <a:fld id="{1A980C56-831A-4EAB-9EDE-57C090F4F877}" type="slidenum">
               <a:rPr lang="en-US" smtClean="0"/>
-              <a:t>35</a:t>
+              <a:t>34</a:t>
             </a:fld>
             <a:endParaRPr lang="en-US" dirty="0"/>
           </a:p>
